--- a/Pylatro presents.pptx
+++ b/Pylatro presents.pptx
@@ -5,7 +5,7 @@
     <p:sldMasterId id="2147483678" r:id="rId1"/>
   </p:sldMasterIdLst>
   <p:notesMasterIdLst>
-    <p:notesMasterId r:id="rId25"/>
+    <p:notesMasterId r:id="rId26"/>
   </p:notesMasterIdLst>
   <p:sldIdLst>
     <p:sldId id="256" r:id="rId2"/>
@@ -23,14 +23,15 @@
     <p:sldId id="280" r:id="rId14"/>
     <p:sldId id="266" r:id="rId15"/>
     <p:sldId id="267" r:id="rId16"/>
-    <p:sldId id="268" r:id="rId17"/>
-    <p:sldId id="269" r:id="rId18"/>
-    <p:sldId id="270" r:id="rId19"/>
-    <p:sldId id="271" r:id="rId20"/>
-    <p:sldId id="272" r:id="rId21"/>
-    <p:sldId id="273" r:id="rId22"/>
-    <p:sldId id="274" r:id="rId23"/>
-    <p:sldId id="276" r:id="rId24"/>
+    <p:sldId id="281" r:id="rId17"/>
+    <p:sldId id="268" r:id="rId18"/>
+    <p:sldId id="269" r:id="rId19"/>
+    <p:sldId id="270" r:id="rId20"/>
+    <p:sldId id="273" r:id="rId21"/>
+    <p:sldId id="271" r:id="rId22"/>
+    <p:sldId id="272" r:id="rId23"/>
+    <p:sldId id="274" r:id="rId24"/>
+    <p:sldId id="276" r:id="rId25"/>
   </p:sldIdLst>
   <p:sldSz cx="12192000" cy="6858000"/>
   <p:notesSz cx="6858000" cy="9144000"/>
@@ -6593,13 +6594,6 @@
           <a:bodyPr/>
           <a:lstStyle/>
           <a:p>
-            <a:pPr marL="0" indent="0">
-              <a:buNone/>
-            </a:pPr>
-            <a:r>
-              <a:rPr dirty="0"/>
-              <a:t>• </a:t>
-            </a:r>
             <a:r>
               <a:rPr dirty="0" err="1"/>
               <a:t>Clases</a:t>
@@ -6612,19 +6606,9 @@
               <a:rPr dirty="0" err="1"/>
               <a:t>independientes</a:t>
             </a:r>
-            <a:r>
-              <a:rPr dirty="0"/>
-              <a:t>.</a:t>
-            </a:r>
-          </a:p>
-          <a:p>
-            <a:pPr marL="0" indent="0">
-              <a:buNone/>
-            </a:pPr>
-            <a:r>
-              <a:rPr dirty="0"/>
-              <a:t>• </a:t>
-            </a:r>
+            <a:endParaRPr lang="en-US" dirty="0"/>
+          </a:p>
+          <a:p>
             <a:r>
               <a:rPr dirty="0" err="1"/>
               <a:t>Modifican</a:t>
@@ -6637,18 +6621,12 @@
               <a:rPr dirty="0" err="1"/>
               <a:t>multiplicadores</a:t>
             </a:r>
+            <a:endParaRPr lang="en-US" dirty="0"/>
+          </a:p>
+          <a:p>
             <a:r>
               <a:rPr dirty="0"/>
-              <a:t>.</a:t>
-            </a:r>
-          </a:p>
-          <a:p>
-            <a:pPr marL="0" indent="0">
-              <a:buNone/>
-            </a:pPr>
-            <a:r>
-              <a:rPr dirty="0"/>
-              <a:t>• Cada uno </a:t>
+              <a:t>Cada uno </a:t>
             </a:r>
             <a:r>
               <a:rPr dirty="0" err="1"/>
@@ -6678,13 +6656,47 @@
               <a:rPr dirty="0" err="1"/>
               <a:t>descripción</a:t>
             </a:r>
-            <a:r>
-              <a:rPr dirty="0"/>
-              <a:t>.</a:t>
-            </a:r>
-          </a:p>
-        </p:txBody>
-      </p:sp>
+            <a:endParaRPr dirty="0"/>
+          </a:p>
+        </p:txBody>
+      </p:sp>
+      <p:pic>
+        <p:nvPicPr>
+          <p:cNvPr id="4" name="Picture 3" descr="A card game with cards and chips">
+            <a:extLst>
+              <a:ext uri="{FF2B5EF4-FFF2-40B4-BE49-F238E27FC236}">
+                <a16:creationId xmlns:a16="http://schemas.microsoft.com/office/drawing/2014/main" id="{34A4DE6D-6362-D403-90BB-CCE6808E8E50}"/>
+              </a:ext>
+            </a:extLst>
+          </p:cNvPr>
+          <p:cNvPicPr>
+            <a:picLocks noChangeAspect="1"/>
+          </p:cNvPicPr>
+          <p:nvPr/>
+        </p:nvPicPr>
+        <p:blipFill>
+          <a:blip r:embed="rId2">
+            <a:alphaModFix amt="6000"/>
+            <a:extLst>
+              <a:ext uri="{28A0092B-C50C-407E-A947-70E740481C1C}">
+                <a14:useLocalDpi xmlns:a14="http://schemas.microsoft.com/office/drawing/2010/main" val="0"/>
+              </a:ext>
+            </a:extLst>
+          </a:blip>
+          <a:stretch>
+            <a:fillRect/>
+          </a:stretch>
+        </p:blipFill>
+        <p:spPr>
+          <a:xfrm>
+            <a:off x="-8305800" y="0"/>
+            <a:ext cx="20497800" cy="11530013"/>
+          </a:xfrm>
+          <a:prstGeom prst="rect">
+            <a:avLst/>
+          </a:prstGeom>
+        </p:spPr>
+      </p:pic>
     </p:spTree>
   </p:cSld>
   <p:clrMapOvr>
@@ -6863,7 +6875,7 @@
 </file>
 
 <file path=ppt/slides/slide15.xml><?xml version="1.0" encoding="utf-8"?>
-<p:sld xmlns:a="http://schemas.openxmlformats.org/drawingml/2006/main" xmlns:r="http://schemas.openxmlformats.org/officeDocument/2006/relationships" xmlns:p="http://schemas.openxmlformats.org/presentationml/2006/main">
+<p:sld xmlns:a="http://schemas.openxmlformats.org/drawingml/2006/main" xmlns:r="http://schemas.openxmlformats.org/officeDocument/2006/relationships" xmlns:p="http://schemas.openxmlformats.org/presentationml/2006/main" show="0">
   <p:cSld>
     <p:spTree>
       <p:nvGrpSpPr>
@@ -6915,70 +6927,61 @@
           <a:bodyPr/>
           <a:lstStyle/>
           <a:p>
-            <a:pPr marL="0" indent="0">
-              <a:buNone/>
-            </a:pPr>
-            <a:r>
-              <a:rPr dirty="0"/>
-              <a:t>• </a:t>
-            </a:r>
             <a:r>
               <a:rPr dirty="0" err="1"/>
               <a:t>Atributos</a:t>
             </a:r>
             <a:r>
               <a:rPr dirty="0"/>
-              <a:t>: dinero, </a:t>
+              <a:t>: </a:t>
+            </a:r>
+            <a:endParaRPr lang="en-US" dirty="0"/>
+          </a:p>
+          <a:p>
+            <a:pPr lvl="1"/>
+            <a:r>
+              <a:rPr lang="en-GB" dirty="0"/>
+              <a:t>d</a:t>
             </a:r>
             <a:r>
               <a:rPr dirty="0" err="1"/>
-              <a:t>nivel</a:t>
+              <a:t>inero</a:t>
+            </a:r>
+            <a:endParaRPr lang="en-US" dirty="0"/>
+          </a:p>
+          <a:p>
+            <a:pPr lvl="1"/>
+            <a:r>
+              <a:rPr lang="en-GB" dirty="0"/>
+              <a:t>n</a:t>
+            </a:r>
+            <a:r>
+              <a:rPr dirty="0" err="1"/>
+              <a:t>ivel</a:t>
+            </a:r>
+            <a:endParaRPr lang="en-US" dirty="0"/>
+          </a:p>
+          <a:p>
+            <a:pPr lvl="1"/>
+            <a:r>
+              <a:rPr lang="en-GB" dirty="0"/>
+              <a:t>l</a:t>
+            </a:r>
+            <a:r>
+              <a:rPr dirty="0" err="1"/>
+              <a:t>ista</a:t>
             </a:r>
             <a:r>
               <a:rPr dirty="0"/>
-              <a:t>, </a:t>
-            </a:r>
-            <a:r>
-              <a:rPr dirty="0" err="1"/>
-              <a:t>lista</a:t>
-            </a:r>
-            <a:r>
-              <a:rPr dirty="0"/>
-              <a:t> de jokers.</a:t>
-            </a:r>
+              <a:t> de jokers</a:t>
+            </a:r>
+            <a:endParaRPr lang="en-US" dirty="0"/>
           </a:p>
           <a:p>
             <a:pPr marL="0" indent="0">
               <a:buNone/>
             </a:pPr>
-            <a:r>
-              <a:rPr dirty="0"/>
-              <a:t>• </a:t>
-            </a:r>
-            <a:r>
-              <a:rPr dirty="0" err="1"/>
-              <a:t>Métodos</a:t>
-            </a:r>
-            <a:r>
-              <a:rPr dirty="0"/>
-              <a:t>: </a:t>
-            </a:r>
-            <a:r>
-              <a:rPr dirty="0" err="1"/>
-              <a:t>comprar_joker</a:t>
-            </a:r>
-            <a:r>
-              <a:rPr dirty="0"/>
-              <a:t>(), </a:t>
-            </a:r>
-            <a:r>
-              <a:rPr dirty="0" err="1"/>
-              <a:t>mostrarJokers</a:t>
-            </a:r>
-            <a:r>
-              <a:rPr dirty="0"/>
-              <a:t>().</a:t>
-            </a:r>
+            <a:endParaRPr dirty="0"/>
           </a:p>
         </p:txBody>
       </p:sp>
@@ -6987,13 +6990,13 @@
   <p:clrMapOvr>
     <a:masterClrMapping/>
   </p:clrMapOvr>
-  <mc:AlternateContent xmlns:mc="http://schemas.openxmlformats.org/markup-compatibility/2006" xmlns:p159="http://schemas.microsoft.com/office/powerpoint/2015/09/main">
-    <mc:Choice Requires="p159">
+  <mc:AlternateContent xmlns:mc="http://schemas.openxmlformats.org/markup-compatibility/2006">
+    <mc:Choice xmlns:p159="http://schemas.microsoft.com/office/powerpoint/2015/09/main" Requires="p159">
       <p:transition xmlns:p14="http://schemas.microsoft.com/office/powerpoint/2010/main" spd="slow" p14:dur="2000">
         <p159:morph option="byObject"/>
       </p:transition>
     </mc:Choice>
-    <mc:Fallback xmlns="">
+    <mc:Fallback>
       <p:transition spd="slow">
         <p:fade/>
       </p:transition>
@@ -7007,7 +7010,13 @@
   <p:cSld>
     <p:spTree>
       <p:nvGrpSpPr>
-        <p:cNvPr id="1" name=""/>
+        <p:cNvPr id="1" name="">
+          <a:extLst>
+            <a:ext uri="{FF2B5EF4-FFF2-40B4-BE49-F238E27FC236}">
+              <a16:creationId xmlns:a16="http://schemas.microsoft.com/office/drawing/2014/main" id="{7652D89F-58E2-B9EB-9D54-82E1B4BE8FD6}"/>
+            </a:ext>
+          </a:extLst>
+        </p:cNvPr>
         <p:cNvGrpSpPr/>
         <p:nvPr/>
       </p:nvGrpSpPr>
@@ -7021,7 +7030,13 @@
       </p:grpSpPr>
       <p:sp>
         <p:nvSpPr>
-          <p:cNvPr id="2" name="Title 1"/>
+          <p:cNvPr id="2" name="Title 1">
+            <a:extLst>
+              <a:ext uri="{FF2B5EF4-FFF2-40B4-BE49-F238E27FC236}">
+                <a16:creationId xmlns:a16="http://schemas.microsoft.com/office/drawing/2014/main" id="{823300D5-689E-A980-C4AD-6A5455DA7841}"/>
+              </a:ext>
+            </a:extLst>
+          </p:cNvPr>
           <p:cNvSpPr>
             <a:spLocks noGrp="1"/>
           </p:cNvSpPr>
@@ -7035,161 +7050,137 @@
           <a:lstStyle/>
           <a:p>
             <a:r>
+              <a:t>Jugador</a:t>
+            </a:r>
+          </a:p>
+        </p:txBody>
+      </p:sp>
+      <p:sp>
+        <p:nvSpPr>
+          <p:cNvPr id="3" name="Content Placeholder 2">
+            <a:extLst>
+              <a:ext uri="{FF2B5EF4-FFF2-40B4-BE49-F238E27FC236}">
+                <a16:creationId xmlns:a16="http://schemas.microsoft.com/office/drawing/2014/main" id="{2FED7DF6-8AAD-63E0-CC36-449AC68559F0}"/>
+              </a:ext>
+            </a:extLst>
+          </p:cNvPr>
+          <p:cNvSpPr>
+            <a:spLocks noGrp="1"/>
+          </p:cNvSpPr>
+          <p:nvPr>
+            <p:ph idx="1"/>
+          </p:nvPr>
+        </p:nvSpPr>
+        <p:spPr/>
+        <p:txBody>
+          <a:bodyPr/>
+          <a:lstStyle/>
+          <a:p>
+            <a:r>
               <a:rPr dirty="0" err="1"/>
-              <a:t>Rondas</a:t>
+              <a:t>Métodos</a:t>
+            </a:r>
+            <a:r>
+              <a:rPr lang="en-US" dirty="0"/>
+              <a:t>:</a:t>
+            </a:r>
+          </a:p>
+          <a:p>
+            <a:pPr lvl="1"/>
+            <a:r>
+              <a:rPr dirty="0" err="1"/>
+              <a:t>comprar_joker</a:t>
             </a:r>
             <a:r>
               <a:rPr dirty="0"/>
-              <a:t> </a:t>
-            </a:r>
-            <a:r>
-              <a:rPr lang="en-US" dirty="0"/>
-              <a:t>-</a:t>
+              <a:t>()</a:t>
+            </a:r>
+            <a:endParaRPr lang="en-US" dirty="0"/>
+          </a:p>
+          <a:p>
+            <a:pPr lvl="1"/>
+            <a:r>
+              <a:rPr dirty="0" err="1"/>
+              <a:t>mostrarJokers</a:t>
             </a:r>
             <a:r>
               <a:rPr dirty="0"/>
-              <a:t> </a:t>
-            </a:r>
-            <a:r>
-              <a:rPr dirty="0" err="1"/>
-              <a:t>Estructura</a:t>
-            </a:r>
+              <a:t>()</a:t>
+            </a:r>
+            <a:endParaRPr lang="en-US" dirty="0"/>
+          </a:p>
+          <a:p>
+            <a:pPr lvl="1"/>
+            <a:r>
+              <a:rPr lang="en-GB" dirty="0" err="1"/>
+              <a:t>obtenerJokers</a:t>
+            </a:r>
+            <a:r>
+              <a:rPr lang="en-GB" dirty="0"/>
+              <a:t>()</a:t>
+            </a:r>
+          </a:p>
+          <a:p>
+            <a:pPr marL="0" indent="0">
+              <a:buNone/>
+            </a:pPr>
             <a:endParaRPr dirty="0"/>
           </a:p>
         </p:txBody>
       </p:sp>
-      <p:sp>
-        <p:nvSpPr>
-          <p:cNvPr id="3" name="Content Placeholder 2"/>
-          <p:cNvSpPr>
-            <a:spLocks noGrp="1"/>
-          </p:cNvSpPr>
-          <p:nvPr>
-            <p:ph idx="1"/>
-          </p:nvPr>
-        </p:nvSpPr>
-        <p:spPr/>
-        <p:txBody>
-          <a:bodyPr/>
-          <a:lstStyle/>
-          <a:p>
-            <a:pPr marL="0" indent="0">
-              <a:buNone/>
-            </a:pPr>
-            <a:r>
-              <a:rPr dirty="0"/>
-              <a:t>• </a:t>
-            </a:r>
-            <a:r>
-              <a:rPr lang="en-US" dirty="0" err="1"/>
-              <a:t>Incrementa</a:t>
-            </a:r>
-            <a:r>
-              <a:rPr lang="en-US" dirty="0"/>
-              <a:t> la </a:t>
-            </a:r>
-            <a:r>
-              <a:rPr lang="en-US" dirty="0" err="1"/>
-              <a:t>dificultad</a:t>
-            </a:r>
-            <a:r>
-              <a:rPr lang="en-US" dirty="0"/>
-              <a:t>, la </a:t>
-            </a:r>
-            <a:r>
-              <a:rPr lang="en-US" dirty="0" err="1"/>
-              <a:t>cantidad</a:t>
-            </a:r>
-            <a:r>
-              <a:rPr lang="en-US" dirty="0"/>
-              <a:t> </a:t>
-            </a:r>
-            <a:r>
-              <a:rPr lang="en-US" dirty="0" err="1"/>
-              <a:t>requerida</a:t>
-            </a:r>
-            <a:r>
-              <a:rPr lang="en-US" dirty="0"/>
-              <a:t> de </a:t>
-            </a:r>
-            <a:r>
-              <a:rPr lang="en-US" dirty="0" err="1"/>
-              <a:t>fichas</a:t>
-            </a:r>
-            <a:r>
-              <a:rPr lang="en-US" dirty="0"/>
-              <a:t> </a:t>
-            </a:r>
-            <a:r>
-              <a:rPr lang="en-US" dirty="0" err="1"/>
-              <a:t>a</a:t>
-            </a:r>
-            <a:r>
-              <a:rPr dirty="0" err="1"/>
-              <a:t>umenta</a:t>
-            </a:r>
-            <a:r>
-              <a:rPr dirty="0"/>
-              <a:t> 150 </a:t>
-            </a:r>
-            <a:r>
-              <a:rPr dirty="0" err="1"/>
-              <a:t>por</a:t>
-            </a:r>
-            <a:r>
-              <a:rPr dirty="0"/>
-              <a:t> </a:t>
-            </a:r>
-            <a:r>
-              <a:rPr dirty="0" err="1"/>
-              <a:t>ronda</a:t>
-            </a:r>
-            <a:endParaRPr dirty="0"/>
-          </a:p>
-          <a:p>
-            <a:pPr marL="0" indent="0">
-              <a:buNone/>
-            </a:pPr>
-            <a:r>
-              <a:rPr dirty="0"/>
-              <a:t>• Cada 3 </a:t>
-            </a:r>
-            <a:r>
-              <a:rPr dirty="0" err="1"/>
-              <a:t>rondas</a:t>
-            </a:r>
-            <a:r>
-              <a:rPr dirty="0"/>
-              <a:t>, </a:t>
-            </a:r>
-            <a:r>
-              <a:rPr dirty="0" err="1"/>
-              <a:t>el</a:t>
-            </a:r>
-            <a:r>
-              <a:rPr dirty="0"/>
-              <a:t> valor se </a:t>
-            </a:r>
-            <a:r>
-              <a:rPr dirty="0" err="1"/>
-              <a:t>duplica</a:t>
-            </a:r>
-            <a:endParaRPr dirty="0"/>
-          </a:p>
-        </p:txBody>
-      </p:sp>
+      <p:pic>
+        <p:nvPicPr>
+          <p:cNvPr id="7" name="Picture 6" descr="A computer screen shot of a code&#10;&#10;AI-generated content may be incorrect.">
+            <a:extLst>
+              <a:ext uri="{FF2B5EF4-FFF2-40B4-BE49-F238E27FC236}">
+                <a16:creationId xmlns:a16="http://schemas.microsoft.com/office/drawing/2014/main" id="{FEFC8188-2DB6-F3C2-11DD-59AA1D50FAF3}"/>
+              </a:ext>
+            </a:extLst>
+          </p:cNvPr>
+          <p:cNvPicPr>
+            <a:picLocks noChangeAspect="1"/>
+          </p:cNvPicPr>
+          <p:nvPr/>
+        </p:nvPicPr>
+        <p:blipFill>
+          <a:blip r:embed="rId2">
+            <a:extLst>
+              <a:ext uri="{28A0092B-C50C-407E-A947-70E740481C1C}">
+                <a14:useLocalDpi xmlns:a14="http://schemas.microsoft.com/office/drawing/2010/main" val="0"/>
+              </a:ext>
+            </a:extLst>
+          </a:blip>
+          <a:stretch>
+            <a:fillRect/>
+          </a:stretch>
+        </p:blipFill>
+        <p:spPr>
+          <a:xfrm>
+            <a:off x="4574415" y="1015722"/>
+            <a:ext cx="7398510" cy="5971144"/>
+          </a:xfrm>
+          <a:prstGeom prst="rect">
+            <a:avLst/>
+          </a:prstGeom>
+        </p:spPr>
+      </p:pic>
     </p:spTree>
+    <p:extLst>
+      <p:ext uri="{BB962C8B-B14F-4D97-AF65-F5344CB8AC3E}">
+        <p14:creationId xmlns:p14="http://schemas.microsoft.com/office/powerpoint/2010/main" val="3525132869"/>
+      </p:ext>
+    </p:extLst>
   </p:cSld>
   <p:clrMapOvr>
     <a:masterClrMapping/>
   </p:clrMapOvr>
-  <mc:AlternateContent xmlns:mc="http://schemas.openxmlformats.org/markup-compatibility/2006" xmlns:p159="http://schemas.microsoft.com/office/powerpoint/2015/09/main">
-    <mc:Choice Requires="p159">
+  <mc:AlternateContent xmlns:mc="http://schemas.openxmlformats.org/markup-compatibility/2006">
+    <mc:Choice xmlns:p159="http://schemas.microsoft.com/office/powerpoint/2015/09/main" Requires="p159">
       <p:transition xmlns:p14="http://schemas.microsoft.com/office/powerpoint/2010/main" spd="slow" p14:dur="2000">
         <p159:morph option="byObject"/>
       </p:transition>
     </mc:Choice>
-    <mc:Fallback xmlns="">
+    <mc:Fallback>
       <p:transition spd="slow">
         <p:fade/>
       </p:transition>
@@ -7231,8 +7222,12 @@
           <a:lstStyle/>
           <a:p>
             <a:r>
+              <a:rPr dirty="0" err="1"/>
+              <a:t>Rondas</a:t>
+            </a:r>
+            <a:r>
               <a:rPr dirty="0"/>
-              <a:t>Código </a:t>
+              <a:t> </a:t>
             </a:r>
             <a:r>
               <a:rPr lang="en-US" dirty="0"/>
@@ -7244,7 +7239,7 @@
             </a:r>
             <a:r>
               <a:rPr dirty="0" err="1"/>
-              <a:t>Objetivos</a:t>
+              <a:t>Estructura</a:t>
             </a:r>
             <a:endParaRPr dirty="0"/>
           </a:p>
@@ -7265,58 +7260,147 @@
           <a:bodyPr/>
           <a:lstStyle/>
           <a:p>
+            <a:r>
+              <a:rPr lang="en-US" dirty="0" err="1"/>
+              <a:t>Incrementa</a:t>
+            </a:r>
+            <a:r>
+              <a:rPr lang="en-US" dirty="0"/>
+              <a:t> la </a:t>
+            </a:r>
+            <a:r>
+              <a:rPr lang="en-US" dirty="0" err="1"/>
+              <a:t>dificultad</a:t>
+            </a:r>
+            <a:r>
+              <a:rPr lang="en-US" dirty="0"/>
+              <a:t>, la </a:t>
+            </a:r>
+            <a:r>
+              <a:rPr lang="en-US" dirty="0" err="1"/>
+              <a:t>cantidad</a:t>
+            </a:r>
+            <a:r>
+              <a:rPr lang="en-US" dirty="0"/>
+              <a:t> </a:t>
+            </a:r>
+            <a:r>
+              <a:rPr lang="en-US" dirty="0" err="1"/>
+              <a:t>requerida</a:t>
+            </a:r>
+            <a:r>
+              <a:rPr lang="en-US" dirty="0"/>
+              <a:t> de </a:t>
+            </a:r>
+            <a:r>
+              <a:rPr lang="en-US" dirty="0" err="1"/>
+              <a:t>fichas</a:t>
+            </a:r>
+            <a:r>
+              <a:rPr lang="en-US" dirty="0"/>
+              <a:t> </a:t>
+            </a:r>
+            <a:r>
+              <a:rPr lang="en-US" dirty="0" err="1"/>
+              <a:t>a</a:t>
+            </a:r>
+            <a:r>
+              <a:rPr dirty="0" err="1"/>
+              <a:t>umenta</a:t>
+            </a:r>
+            <a:r>
+              <a:rPr dirty="0"/>
+              <a:t> 150 </a:t>
+            </a:r>
+            <a:r>
+              <a:rPr dirty="0" err="1"/>
+              <a:t>por</a:t>
+            </a:r>
+            <a:r>
+              <a:rPr dirty="0"/>
+              <a:t> </a:t>
+            </a:r>
+            <a:r>
+              <a:rPr dirty="0" err="1"/>
+              <a:t>ronda</a:t>
+            </a:r>
+            <a:endParaRPr dirty="0"/>
+          </a:p>
+          <a:p>
+            <a:r>
+              <a:rPr dirty="0"/>
+              <a:t>Cada 3 </a:t>
+            </a:r>
+            <a:r>
+              <a:rPr dirty="0" err="1"/>
+              <a:t>rondas</a:t>
+            </a:r>
+            <a:endParaRPr lang="en-US" dirty="0"/>
+          </a:p>
+          <a:p>
             <a:pPr marL="0" indent="0">
               <a:buNone/>
             </a:pPr>
             <a:r>
               <a:rPr dirty="0"/>
-              <a:t>def </a:t>
+              <a:t> </a:t>
+            </a:r>
+            <a:r>
+              <a:rPr lang="en-US" dirty="0"/>
+              <a:t>  </a:t>
             </a:r>
             <a:r>
               <a:rPr dirty="0" err="1"/>
-              <a:t>objetivo_ronda</a:t>
+              <a:t>el</a:t>
             </a:r>
             <a:r>
               <a:rPr dirty="0"/>
-              <a:t>(n):</a:t>
-            </a:r>
-          </a:p>
-          <a:p>
-            <a:pPr marL="0" indent="0">
-              <a:buNone/>
-            </a:pPr>
-            <a:r>
-              <a:rPr dirty="0"/>
-              <a:t>    </a:t>
+              <a:t> valor se </a:t>
             </a:r>
             <a:r>
               <a:rPr dirty="0" err="1"/>
-              <a:t>bloques</a:t>
-            </a:r>
-            <a:r>
-              <a:rPr dirty="0"/>
-              <a:t> = [...]</a:t>
-            </a:r>
-          </a:p>
-          <a:p>
-            <a:pPr marL="0" indent="0">
-              <a:buNone/>
-            </a:pPr>
-            <a:r>
-              <a:rPr dirty="0"/>
-              <a:t>    return </a:t>
-            </a:r>
-            <a:r>
-              <a:rPr dirty="0" err="1"/>
-              <a:t>bloques</a:t>
-            </a:r>
-            <a:r>
-              <a:rPr dirty="0"/>
-              <a:t>[(n-1)//3][(n-1)%3]</a:t>
-            </a:r>
-          </a:p>
-        </p:txBody>
-      </p:sp>
+              <a:t>duplica</a:t>
+            </a:r>
+            <a:endParaRPr dirty="0"/>
+          </a:p>
+        </p:txBody>
+      </p:sp>
+      <p:pic>
+        <p:nvPicPr>
+          <p:cNvPr id="4" name="Picture 3" descr="A computer screen shot of a code&#10;&#10;AI-generated content may be incorrect.">
+            <a:extLst>
+              <a:ext uri="{FF2B5EF4-FFF2-40B4-BE49-F238E27FC236}">
+                <a16:creationId xmlns:a16="http://schemas.microsoft.com/office/drawing/2014/main" id="{7D78A2C6-4B1F-58F6-F3D8-9C2B4A41D070}"/>
+              </a:ext>
+            </a:extLst>
+          </p:cNvPr>
+          <p:cNvPicPr>
+            <a:picLocks noChangeAspect="1"/>
+          </p:cNvPicPr>
+          <p:nvPr/>
+        </p:nvPicPr>
+        <p:blipFill>
+          <a:blip r:embed="rId2">
+            <a:extLst>
+              <a:ext uri="{28A0092B-C50C-407E-A947-70E740481C1C}">
+                <a14:useLocalDpi xmlns:a14="http://schemas.microsoft.com/office/drawing/2010/main" val="0"/>
+              </a:ext>
+            </a:extLst>
+          </a:blip>
+          <a:stretch>
+            <a:fillRect/>
+          </a:stretch>
+        </p:blipFill>
+        <p:spPr>
+          <a:xfrm>
+            <a:off x="3724415" y="1825625"/>
+            <a:ext cx="7629385" cy="5290290"/>
+          </a:xfrm>
+          <a:prstGeom prst="rect">
+            <a:avLst/>
+          </a:prstGeom>
+        </p:spPr>
+      </p:pic>
     </p:spTree>
   </p:cSld>
   <p:clrMapOvr>
@@ -7370,69 +7454,12 @@
           <a:lstStyle/>
           <a:p>
             <a:r>
-              <a:t>Condición de Victoria</a:t>
-            </a:r>
-          </a:p>
-        </p:txBody>
-      </p:sp>
-      <p:sp>
-        <p:nvSpPr>
-          <p:cNvPr id="3" name="Content Placeholder 2"/>
-          <p:cNvSpPr>
-            <a:spLocks noGrp="1"/>
-          </p:cNvSpPr>
-          <p:nvPr>
-            <p:ph idx="1"/>
-          </p:nvPr>
-        </p:nvSpPr>
-        <p:spPr/>
-        <p:txBody>
-          <a:bodyPr/>
-          <a:lstStyle/>
-          <a:p>
-            <a:pPr marL="0" indent="0">
-              <a:buNone/>
-            </a:pPr>
-            <a:r>
               <a:rPr dirty="0"/>
-              <a:t>• </a:t>
-            </a:r>
-            <a:r>
-              <a:rPr dirty="0" err="1"/>
-              <a:t>Ganar</a:t>
-            </a:r>
-            <a:r>
-              <a:rPr dirty="0"/>
-              <a:t> 24 </a:t>
-            </a:r>
-            <a:r>
-              <a:rPr dirty="0" err="1"/>
-              <a:t>rondas</a:t>
-            </a:r>
-            <a:r>
-              <a:rPr dirty="0"/>
-              <a:t> (8 </a:t>
-            </a:r>
-            <a:r>
-              <a:rPr dirty="0" err="1"/>
-              <a:t>ciclos</a:t>
-            </a:r>
-            <a:r>
-              <a:rPr dirty="0"/>
-              <a:t> de 3).</a:t>
-            </a:r>
-          </a:p>
-          <a:p>
-            <a:pPr marL="0" indent="0">
-              <a:buNone/>
-            </a:pPr>
-            <a:r>
-              <a:rPr dirty="0"/>
-              <a:t>• </a:t>
-            </a:r>
-            <a:r>
-              <a:rPr dirty="0" err="1"/>
-              <a:t>Pylatro</a:t>
+              <a:t>Código </a:t>
+            </a:r>
+            <a:r>
+              <a:rPr lang="en-US" dirty="0"/>
+              <a:t>-</a:t>
             </a:r>
             <a:r>
               <a:rPr dirty="0"/>
@@ -7440,15 +7467,48 @@
             </a:r>
             <a:r>
               <a:rPr dirty="0" err="1"/>
-              <a:t>completado</a:t>
-            </a:r>
-            <a:r>
-              <a:rPr dirty="0"/>
-              <a:t>.</a:t>
-            </a:r>
-          </a:p>
-        </p:txBody>
-      </p:sp>
+              <a:t>Objetivos</a:t>
+            </a:r>
+            <a:endParaRPr dirty="0"/>
+          </a:p>
+        </p:txBody>
+      </p:sp>
+      <p:pic>
+        <p:nvPicPr>
+          <p:cNvPr id="5" name="Picture 4" descr="A computer screen shot of a code&#10;&#10;AI-generated content may be incorrect.">
+            <a:extLst>
+              <a:ext uri="{FF2B5EF4-FFF2-40B4-BE49-F238E27FC236}">
+                <a16:creationId xmlns:a16="http://schemas.microsoft.com/office/drawing/2014/main" id="{440B867D-67C3-10C7-5A8C-D3FB6C5CA18E}"/>
+              </a:ext>
+            </a:extLst>
+          </p:cNvPr>
+          <p:cNvPicPr>
+            <a:picLocks noChangeAspect="1"/>
+          </p:cNvPicPr>
+          <p:nvPr/>
+        </p:nvPicPr>
+        <p:blipFill>
+          <a:blip r:embed="rId2">
+            <a:extLst>
+              <a:ext uri="{28A0092B-C50C-407E-A947-70E740481C1C}">
+                <a14:useLocalDpi xmlns:a14="http://schemas.microsoft.com/office/drawing/2010/main" val="0"/>
+              </a:ext>
+            </a:extLst>
+          </a:blip>
+          <a:stretch>
+            <a:fillRect/>
+          </a:stretch>
+        </p:blipFill>
+        <p:spPr>
+          <a:xfrm>
+            <a:off x="1714639" y="953294"/>
+            <a:ext cx="8762721" cy="6076156"/>
+          </a:xfrm>
+          <a:prstGeom prst="rect">
+            <a:avLst/>
+          </a:prstGeom>
+        </p:spPr>
+      </p:pic>
     </p:spTree>
   </p:cSld>
   <p:clrMapOvr>
@@ -7470,7 +7530,7 @@
 </file>
 
 <file path=ppt/slides/slide19.xml><?xml version="1.0" encoding="utf-8"?>
-<p:sld xmlns:a="http://schemas.openxmlformats.org/drawingml/2006/main" xmlns:r="http://schemas.openxmlformats.org/officeDocument/2006/relationships" xmlns:p="http://schemas.openxmlformats.org/presentationml/2006/main">
+<p:sld xmlns:a="http://schemas.openxmlformats.org/drawingml/2006/main" xmlns:r="http://schemas.openxmlformats.org/officeDocument/2006/relationships" xmlns:p="http://schemas.openxmlformats.org/presentationml/2006/main" show="0">
   <p:cSld>
     <p:spTree>
       <p:nvGrpSpPr>
@@ -7502,7 +7562,7 @@
           <a:lstStyle/>
           <a:p>
             <a:r>
-              <a:t>Tienda de Jokers</a:t>
+              <a:t>Condición de Victoria</a:t>
             </a:r>
           </a:p>
         </p:txBody>
@@ -7531,52 +7591,27 @@
             </a:r>
             <a:r>
               <a:rPr dirty="0" err="1"/>
-              <a:t>Compra</a:t>
+              <a:t>Ganar</a:t>
             </a:r>
             <a:r>
               <a:rPr dirty="0"/>
-              <a:t> </a:t>
+              <a:t> 24 </a:t>
             </a:r>
             <a:r>
               <a:rPr dirty="0" err="1"/>
-              <a:t>por</a:t>
+              <a:t>rondas</a:t>
             </a:r>
             <a:r>
               <a:rPr dirty="0"/>
-              <a:t> dinero </a:t>
+              <a:t> (8 </a:t>
             </a:r>
             <a:r>
               <a:rPr dirty="0" err="1"/>
-              <a:t>ganado</a:t>
+              <a:t>ciclos</a:t>
             </a:r>
             <a:r>
               <a:rPr dirty="0"/>
-              <a:t>.</a:t>
-            </a:r>
-          </a:p>
-          <a:p>
-            <a:pPr marL="0" indent="0">
-              <a:buNone/>
-            </a:pPr>
-            <a:r>
-              <a:rPr dirty="0"/>
-              <a:t>• Cada Joker cambia </a:t>
-            </a:r>
-            <a:r>
-              <a:rPr dirty="0" err="1"/>
-              <a:t>el</a:t>
-            </a:r>
-            <a:r>
-              <a:rPr dirty="0"/>
-              <a:t> </a:t>
-            </a:r>
-            <a:r>
-              <a:rPr dirty="0" err="1"/>
-              <a:t>cálculo</a:t>
-            </a:r>
-            <a:r>
-              <a:rPr dirty="0"/>
-              <a:t> final de puntos.</a:t>
+              <a:t> de 3)</a:t>
             </a:r>
           </a:p>
         </p:txBody>
@@ -7586,13 +7621,13 @@
   <p:clrMapOvr>
     <a:masterClrMapping/>
   </p:clrMapOvr>
-  <mc:AlternateContent xmlns:mc="http://schemas.openxmlformats.org/markup-compatibility/2006" xmlns:p159="http://schemas.microsoft.com/office/powerpoint/2015/09/main">
-    <mc:Choice Requires="p159">
+  <mc:AlternateContent xmlns:mc="http://schemas.openxmlformats.org/markup-compatibility/2006">
+    <mc:Choice xmlns:p159="http://schemas.microsoft.com/office/powerpoint/2015/09/main" Requires="p159">
       <p:transition xmlns:p14="http://schemas.microsoft.com/office/powerpoint/2010/main" spd="slow" p14:dur="2000">
         <p159:morph option="byObject"/>
       </p:transition>
     </mc:Choice>
-    <mc:Fallback xmlns="">
+    <mc:Fallback>
       <p:transition spd="slow">
         <p:fade/>
       </p:transition>
@@ -7923,15 +7958,88 @@
           <a:p>
             <a:r>
               <a:rPr dirty="0" err="1"/>
-              <a:t>Controlador</a:t>
+              <a:t>Interfaz</a:t>
+            </a:r>
+            <a:r>
+              <a:rPr dirty="0"/>
+              <a:t> Gráfica</a:t>
+            </a:r>
+          </a:p>
+        </p:txBody>
+      </p:sp>
+      <p:sp>
+        <p:nvSpPr>
+          <p:cNvPr id="3" name="Content Placeholder 2"/>
+          <p:cNvSpPr>
+            <a:spLocks noGrp="1"/>
+          </p:cNvSpPr>
+          <p:nvPr>
+            <p:ph idx="1"/>
+          </p:nvPr>
+        </p:nvSpPr>
+        <p:spPr/>
+        <p:txBody>
+          <a:bodyPr/>
+          <a:lstStyle/>
+          <a:p>
+            <a:pPr marL="0" indent="0">
+              <a:buNone/>
+            </a:pPr>
+            <a:endParaRPr lang="en-US" dirty="0"/>
+          </a:p>
+          <a:p>
+            <a:pPr marL="0" indent="0">
+              <a:buNone/>
+            </a:pPr>
+            <a:endParaRPr lang="en-GB" dirty="0"/>
+          </a:p>
+          <a:p>
+            <a:pPr marL="0" indent="0">
+              <a:buNone/>
+            </a:pPr>
+            <a:r>
+              <a:rPr dirty="0"/>
+              <a:t>• Cartas </a:t>
+            </a:r>
+            <a:r>
+              <a:rPr dirty="0" err="1"/>
+              <a:t>en</a:t>
             </a:r>
             <a:r>
               <a:rPr dirty="0"/>
               <a:t> </a:t>
             </a:r>
             <a:r>
-              <a:rPr lang="en-US" dirty="0"/>
-              <a:t>-</a:t>
+              <a:rPr dirty="0" err="1"/>
+              <a:t>abanico</a:t>
+            </a:r>
+            <a:endParaRPr dirty="0"/>
+          </a:p>
+          <a:p>
+            <a:pPr marL="0" indent="0">
+              <a:buNone/>
+            </a:pPr>
+            <a:r>
+              <a:rPr dirty="0"/>
+              <a:t>• HUD </a:t>
+            </a:r>
+            <a:r>
+              <a:rPr dirty="0" err="1"/>
+              <a:t>dinámico</a:t>
+            </a:r>
+            <a:endParaRPr dirty="0"/>
+          </a:p>
+          <a:p>
+            <a:pPr marL="0" indent="0">
+              <a:buNone/>
+            </a:pPr>
+            <a:r>
+              <a:rPr dirty="0"/>
+              <a:t>• </a:t>
+            </a:r>
+            <a:r>
+              <a:rPr dirty="0" err="1"/>
+              <a:t>Botones</a:t>
             </a:r>
             <a:r>
               <a:rPr dirty="0"/>
@@ -7939,252 +8047,9 @@
             </a:r>
             <a:r>
               <a:rPr dirty="0" err="1"/>
-              <a:t>Lógica</a:t>
-            </a:r>
-            <a:r>
-              <a:rPr dirty="0"/>
-              <a:t> Central</a:t>
-            </a:r>
-          </a:p>
-        </p:txBody>
-      </p:sp>
-      <p:sp>
-        <p:nvSpPr>
-          <p:cNvPr id="3" name="Content Placeholder 2"/>
-          <p:cNvSpPr>
-            <a:spLocks noGrp="1"/>
-          </p:cNvSpPr>
-          <p:nvPr>
-            <p:ph idx="1"/>
-          </p:nvPr>
-        </p:nvSpPr>
-        <p:spPr/>
-        <p:txBody>
-          <a:bodyPr/>
-          <a:lstStyle/>
-          <a:p>
-            <a:pPr marL="0" indent="0">
-              <a:buNone/>
-            </a:pPr>
-            <a:r>
-              <a:rPr dirty="0"/>
-              <a:t>• </a:t>
-            </a:r>
-            <a:r>
-              <a:rPr dirty="0" err="1"/>
-              <a:t>RondaController</a:t>
-            </a:r>
-            <a:r>
-              <a:rPr dirty="0"/>
-              <a:t> </a:t>
-            </a:r>
-            <a:r>
-              <a:rPr dirty="0" err="1"/>
-              <a:t>conecta</a:t>
-            </a:r>
-            <a:r>
-              <a:rPr dirty="0"/>
-              <a:t> UI y </a:t>
-            </a:r>
-            <a:r>
-              <a:rPr dirty="0" err="1"/>
-              <a:t>lógica</a:t>
-            </a:r>
-            <a:r>
-              <a:rPr dirty="0"/>
-              <a:t>.</a:t>
-            </a:r>
-          </a:p>
-          <a:p>
-            <a:pPr marL="0" indent="0">
-              <a:buNone/>
-            </a:pPr>
-            <a:r>
-              <a:rPr dirty="0"/>
-              <a:t>• </a:t>
-            </a:r>
-            <a:r>
-              <a:rPr dirty="0" err="1"/>
-              <a:t>Controla</a:t>
-            </a:r>
-            <a:r>
-              <a:rPr dirty="0"/>
-              <a:t> </a:t>
-            </a:r>
-            <a:r>
-              <a:rPr dirty="0" err="1"/>
-              <a:t>descartes</a:t>
-            </a:r>
-            <a:r>
-              <a:rPr dirty="0"/>
-              <a:t>, </a:t>
-            </a:r>
-            <a:r>
-              <a:rPr dirty="0" err="1"/>
-              <a:t>jugadas</a:t>
-            </a:r>
-            <a:r>
-              <a:rPr dirty="0"/>
-              <a:t>, tienda.</a:t>
-            </a:r>
-          </a:p>
-        </p:txBody>
-      </p:sp>
-    </p:spTree>
-  </p:cSld>
-  <p:clrMapOvr>
-    <a:masterClrMapping/>
-  </p:clrMapOvr>
-  <mc:AlternateContent xmlns:mc="http://schemas.openxmlformats.org/markup-compatibility/2006" xmlns:p159="http://schemas.microsoft.com/office/powerpoint/2015/09/main">
-    <mc:Choice Requires="p159">
-      <p:transition xmlns:p14="http://schemas.microsoft.com/office/powerpoint/2010/main" spd="slow" p14:dur="2000">
-        <p159:morph option="byObject"/>
-      </p:transition>
-    </mc:Choice>
-    <mc:Fallback xmlns="">
-      <p:transition spd="slow">
-        <p:fade/>
-      </p:transition>
-    </mc:Fallback>
-  </mc:AlternateContent>
-</p:sld>
-</file>
-
-<file path=ppt/slides/slide21.xml><?xml version="1.0" encoding="utf-8"?>
-<p:sld xmlns:a="http://schemas.openxmlformats.org/drawingml/2006/main" xmlns:r="http://schemas.openxmlformats.org/officeDocument/2006/relationships" xmlns:p="http://schemas.openxmlformats.org/presentationml/2006/main">
-  <p:cSld>
-    <p:spTree>
-      <p:nvGrpSpPr>
-        <p:cNvPr id="1" name=""/>
-        <p:cNvGrpSpPr/>
-        <p:nvPr/>
-      </p:nvGrpSpPr>
-      <p:grpSpPr>
-        <a:xfrm>
-          <a:off x="0" y="0"/>
-          <a:ext cx="0" cy="0"/>
-          <a:chOff x="0" y="0"/>
-          <a:chExt cx="0" cy="0"/>
-        </a:xfrm>
-      </p:grpSpPr>
-      <p:sp>
-        <p:nvSpPr>
-          <p:cNvPr id="2" name="Title 1"/>
-          <p:cNvSpPr>
-            <a:spLocks noGrp="1"/>
-          </p:cNvSpPr>
-          <p:nvPr>
-            <p:ph type="title"/>
-          </p:nvPr>
-        </p:nvSpPr>
-        <p:spPr/>
-        <p:txBody>
-          <a:bodyPr/>
-          <a:lstStyle/>
-          <a:p>
-            <a:r>
-              <a:rPr dirty="0" err="1"/>
-              <a:t>Interfaz</a:t>
-            </a:r>
-            <a:r>
-              <a:rPr dirty="0"/>
-              <a:t> Gráfica</a:t>
-            </a:r>
-          </a:p>
-        </p:txBody>
-      </p:sp>
-      <p:sp>
-        <p:nvSpPr>
-          <p:cNvPr id="3" name="Content Placeholder 2"/>
-          <p:cNvSpPr>
-            <a:spLocks noGrp="1"/>
-          </p:cNvSpPr>
-          <p:nvPr>
-            <p:ph idx="1"/>
-          </p:nvPr>
-        </p:nvSpPr>
-        <p:spPr/>
-        <p:txBody>
-          <a:bodyPr/>
-          <a:lstStyle/>
-          <a:p>
-            <a:pPr marL="0" indent="0">
-              <a:buNone/>
-            </a:pPr>
-            <a:endParaRPr lang="en-US" dirty="0"/>
-          </a:p>
-          <a:p>
-            <a:pPr marL="0" indent="0">
-              <a:buNone/>
-            </a:pPr>
-            <a:endParaRPr lang="en-GB" dirty="0"/>
-          </a:p>
-          <a:p>
-            <a:pPr marL="0" indent="0">
-              <a:buNone/>
-            </a:pPr>
-            <a:r>
-              <a:rPr dirty="0"/>
-              <a:t>• Cartas </a:t>
-            </a:r>
-            <a:r>
-              <a:rPr dirty="0" err="1"/>
-              <a:t>en</a:t>
-            </a:r>
-            <a:r>
-              <a:rPr dirty="0"/>
-              <a:t> </a:t>
-            </a:r>
-            <a:r>
-              <a:rPr dirty="0" err="1"/>
-              <a:t>abanico</a:t>
-            </a:r>
-            <a:r>
-              <a:rPr dirty="0"/>
-              <a:t>.</a:t>
-            </a:r>
-          </a:p>
-          <a:p>
-            <a:pPr marL="0" indent="0">
-              <a:buNone/>
-            </a:pPr>
-            <a:r>
-              <a:rPr dirty="0"/>
-              <a:t>• HUD </a:t>
-            </a:r>
-            <a:r>
-              <a:rPr dirty="0" err="1"/>
-              <a:t>dinámico</a:t>
-            </a:r>
-            <a:r>
-              <a:rPr dirty="0"/>
-              <a:t>.</a:t>
-            </a:r>
-          </a:p>
-          <a:p>
-            <a:pPr marL="0" indent="0">
-              <a:buNone/>
-            </a:pPr>
-            <a:r>
-              <a:rPr dirty="0"/>
-              <a:t>• </a:t>
-            </a:r>
-            <a:r>
-              <a:rPr dirty="0" err="1"/>
-              <a:t>Botones</a:t>
-            </a:r>
-            <a:r>
-              <a:rPr dirty="0"/>
-              <a:t> </a:t>
-            </a:r>
-            <a:r>
-              <a:rPr dirty="0" err="1"/>
               <a:t>interactivos</a:t>
             </a:r>
-            <a:r>
-              <a:rPr dirty="0"/>
-              <a:t>.</a:t>
-            </a:r>
+            <a:endParaRPr dirty="0"/>
           </a:p>
         </p:txBody>
       </p:sp>
@@ -8245,7 +8110,7 @@
 </p:sld>
 </file>
 
-<file path=ppt/slides/slide22.xml><?xml version="1.0" encoding="utf-8"?>
+<file path=ppt/slides/slide21.xml><?xml version="1.0" encoding="utf-8"?>
 <p:sld xmlns:a="http://schemas.openxmlformats.org/drawingml/2006/main" xmlns:r="http://schemas.openxmlformats.org/officeDocument/2006/relationships" xmlns:p="http://schemas.openxmlformats.org/presentationml/2006/main">
   <p:cSld>
     <p:spTree>
@@ -8278,95 +8143,113 @@
           <a:lstStyle/>
           <a:p>
             <a:r>
+              <a:t>Tienda de Jokers</a:t>
+            </a:r>
+          </a:p>
+        </p:txBody>
+      </p:sp>
+      <p:sp>
+        <p:nvSpPr>
+          <p:cNvPr id="3" name="Content Placeholder 2"/>
+          <p:cNvSpPr>
+            <a:spLocks noGrp="1"/>
+          </p:cNvSpPr>
+          <p:nvPr>
+            <p:ph idx="1"/>
+          </p:nvPr>
+        </p:nvSpPr>
+        <p:spPr/>
+        <p:txBody>
+          <a:bodyPr/>
+          <a:lstStyle/>
+          <a:p>
+            <a:r>
+              <a:rPr dirty="0" err="1"/>
+              <a:t>Compra</a:t>
+            </a:r>
+            <a:r>
               <a:rPr dirty="0"/>
-              <a:t>Código </a:t>
-            </a:r>
-            <a:r>
-              <a:rPr lang="en-US" dirty="0"/>
-              <a:t>-</a:t>
+              <a:t> </a:t>
+            </a:r>
+            <a:r>
+              <a:rPr dirty="0" err="1"/>
+              <a:t>por</a:t>
             </a:r>
             <a:r>
               <a:rPr dirty="0"/>
-              <a:t> Render de Cartas</a:t>
-            </a:r>
-          </a:p>
-        </p:txBody>
-      </p:sp>
-      <p:sp>
-        <p:nvSpPr>
-          <p:cNvPr id="3" name="Content Placeholder 2"/>
-          <p:cNvSpPr>
-            <a:spLocks noGrp="1"/>
-          </p:cNvSpPr>
-          <p:nvPr>
-            <p:ph idx="1"/>
-          </p:nvPr>
-        </p:nvSpPr>
-        <p:spPr/>
-        <p:txBody>
-          <a:bodyPr/>
-          <a:lstStyle/>
-          <a:p>
-            <a:pPr marL="0" indent="0">
-              <a:buNone/>
-            </a:pPr>
+              <a:t> dinero </a:t>
+            </a:r>
+            <a:r>
+              <a:rPr lang="en-GB" dirty="0"/>
+              <a:t>G</a:t>
+            </a:r>
+            <a:r>
+              <a:rPr dirty="0" err="1"/>
+              <a:t>anado</a:t>
+            </a:r>
+            <a:endParaRPr lang="en-US" dirty="0"/>
+          </a:p>
+          <a:p>
             <a:r>
               <a:rPr dirty="0"/>
-              <a:t>def </a:t>
+              <a:t>Cada Joker cambia </a:t>
             </a:r>
             <a:r>
               <a:rPr dirty="0" err="1"/>
-              <a:t>hacer_superficie_carta</a:t>
+              <a:t>el</a:t>
             </a:r>
             <a:r>
               <a:rPr dirty="0"/>
-              <a:t>(c):</a:t>
-            </a:r>
-          </a:p>
-          <a:p>
-            <a:pPr marL="0" indent="0">
-              <a:buNone/>
-            </a:pPr>
+              <a:t> </a:t>
+            </a:r>
+            <a:r>
+              <a:rPr dirty="0" err="1"/>
+              <a:t>cálculo</a:t>
+            </a:r>
             <a:r>
               <a:rPr dirty="0"/>
-              <a:t>    </a:t>
-            </a:r>
-            <a:r>
-              <a:rPr dirty="0" err="1"/>
-              <a:t>pygame.draw.rect</a:t>
-            </a:r>
-            <a:r>
-              <a:rPr dirty="0"/>
-              <a:t>(...)</a:t>
-            </a:r>
-          </a:p>
-          <a:p>
-            <a:pPr marL="0" indent="0">
-              <a:buNone/>
-            </a:pPr>
-            <a:r>
-              <a:rPr dirty="0"/>
-              <a:t>    </a:t>
-            </a:r>
-            <a:r>
-              <a:rPr dirty="0" err="1"/>
-              <a:t>pantalla.blit</a:t>
-            </a:r>
-            <a:r>
-              <a:rPr dirty="0"/>
-              <a:t>(</a:t>
-            </a:r>
-            <a:r>
-              <a:rPr dirty="0" err="1"/>
-              <a:t>texto</a:t>
-            </a:r>
-            <a:r>
-              <a:rPr dirty="0"/>
-              <a:t>, ...)</a:t>
-            </a:r>
-          </a:p>
-        </p:txBody>
-      </p:sp>
+              <a:t> final de puntos</a:t>
+            </a:r>
+          </a:p>
+        </p:txBody>
+      </p:sp>
+      <p:pic>
+        <p:nvPicPr>
+          <p:cNvPr id="5" name="Picture 4" descr="A screenshot of a computer&#10;&#10;AI-generated content may be incorrect.">
+            <a:extLst>
+              <a:ext uri="{FF2B5EF4-FFF2-40B4-BE49-F238E27FC236}">
+                <a16:creationId xmlns:a16="http://schemas.microsoft.com/office/drawing/2014/main" id="{B78FB46C-A85D-3C0C-1F7B-18A5A2F390B0}"/>
+              </a:ext>
+            </a:extLst>
+          </p:cNvPr>
+          <p:cNvPicPr>
+            <a:picLocks noChangeAspect="1"/>
+          </p:cNvPicPr>
+          <p:nvPr/>
+        </p:nvPicPr>
+        <p:blipFill>
+          <a:blip r:embed="rId2">
+            <a:extLst>
+              <a:ext uri="{28A0092B-C50C-407E-A947-70E740481C1C}">
+                <a14:useLocalDpi xmlns:a14="http://schemas.microsoft.com/office/drawing/2010/main" val="0"/>
+              </a:ext>
+            </a:extLst>
+          </a:blip>
+          <a:srcRect l="1026" t="4306" r="506" b="45911"/>
+          <a:stretch>
+            <a:fillRect/>
+          </a:stretch>
+        </p:blipFill>
+        <p:spPr>
+          <a:xfrm>
+            <a:off x="1585912" y="3333750"/>
+            <a:ext cx="9020176" cy="2675022"/>
+          </a:xfrm>
+          <a:prstGeom prst="rect">
+            <a:avLst/>
+          </a:prstGeom>
+        </p:spPr>
+      </p:pic>
     </p:spTree>
   </p:cSld>
   <p:clrMapOvr>
@@ -8387,7 +8270,307 @@
 </p:sld>
 </file>
 
+<file path=ppt/slides/slide22.xml><?xml version="1.0" encoding="utf-8"?>
+<p:sld xmlns:a="http://schemas.openxmlformats.org/drawingml/2006/main" xmlns:r="http://schemas.openxmlformats.org/officeDocument/2006/relationships" xmlns:p="http://schemas.openxmlformats.org/presentationml/2006/main" show="0">
+  <p:cSld>
+    <p:spTree>
+      <p:nvGrpSpPr>
+        <p:cNvPr id="1" name=""/>
+        <p:cNvGrpSpPr/>
+        <p:nvPr/>
+      </p:nvGrpSpPr>
+      <p:grpSpPr>
+        <a:xfrm>
+          <a:off x="0" y="0"/>
+          <a:ext cx="0" cy="0"/>
+          <a:chOff x="0" y="0"/>
+          <a:chExt cx="0" cy="0"/>
+        </a:xfrm>
+      </p:grpSpPr>
+      <p:sp>
+        <p:nvSpPr>
+          <p:cNvPr id="2" name="Title 1"/>
+          <p:cNvSpPr>
+            <a:spLocks noGrp="1"/>
+          </p:cNvSpPr>
+          <p:nvPr>
+            <p:ph type="title"/>
+          </p:nvPr>
+        </p:nvSpPr>
+        <p:spPr/>
+        <p:txBody>
+          <a:bodyPr/>
+          <a:lstStyle/>
+          <a:p>
+            <a:r>
+              <a:rPr dirty="0" err="1"/>
+              <a:t>Controlador</a:t>
+            </a:r>
+            <a:r>
+              <a:rPr dirty="0"/>
+              <a:t> </a:t>
+            </a:r>
+            <a:r>
+              <a:rPr lang="en-US" dirty="0"/>
+              <a:t>-</a:t>
+            </a:r>
+            <a:r>
+              <a:rPr dirty="0"/>
+              <a:t> </a:t>
+            </a:r>
+            <a:r>
+              <a:rPr dirty="0" err="1"/>
+              <a:t>Lógica</a:t>
+            </a:r>
+            <a:r>
+              <a:rPr dirty="0"/>
+              <a:t> Central</a:t>
+            </a:r>
+          </a:p>
+        </p:txBody>
+      </p:sp>
+      <p:sp>
+        <p:nvSpPr>
+          <p:cNvPr id="3" name="Content Placeholder 2"/>
+          <p:cNvSpPr>
+            <a:spLocks noGrp="1"/>
+          </p:cNvSpPr>
+          <p:nvPr>
+            <p:ph idx="1"/>
+          </p:nvPr>
+        </p:nvSpPr>
+        <p:spPr/>
+        <p:txBody>
+          <a:bodyPr/>
+          <a:lstStyle/>
+          <a:p>
+            <a:pPr marL="0" indent="0">
+              <a:buNone/>
+            </a:pPr>
+            <a:r>
+              <a:rPr dirty="0"/>
+              <a:t>• </a:t>
+            </a:r>
+            <a:r>
+              <a:rPr dirty="0" err="1"/>
+              <a:t>RondaController</a:t>
+            </a:r>
+            <a:r>
+              <a:rPr dirty="0"/>
+              <a:t> </a:t>
+            </a:r>
+            <a:r>
+              <a:rPr dirty="0" err="1"/>
+              <a:t>conecta</a:t>
+            </a:r>
+            <a:r>
+              <a:rPr dirty="0"/>
+              <a:t> UI y </a:t>
+            </a:r>
+            <a:r>
+              <a:rPr dirty="0" err="1"/>
+              <a:t>lógica</a:t>
+            </a:r>
+            <a:endParaRPr dirty="0"/>
+          </a:p>
+          <a:p>
+            <a:pPr marL="0" indent="0">
+              <a:buNone/>
+            </a:pPr>
+            <a:r>
+              <a:rPr dirty="0"/>
+              <a:t>• </a:t>
+            </a:r>
+            <a:r>
+              <a:rPr dirty="0" err="1"/>
+              <a:t>Controla</a:t>
+            </a:r>
+            <a:r>
+              <a:rPr dirty="0"/>
+              <a:t> </a:t>
+            </a:r>
+            <a:r>
+              <a:rPr dirty="0" err="1"/>
+              <a:t>descartes</a:t>
+            </a:r>
+            <a:r>
+              <a:rPr dirty="0"/>
+              <a:t>, </a:t>
+            </a:r>
+            <a:r>
+              <a:rPr dirty="0" err="1"/>
+              <a:t>jugadas</a:t>
+            </a:r>
+            <a:r>
+              <a:rPr dirty="0"/>
+              <a:t>, tienda</a:t>
+            </a:r>
+          </a:p>
+        </p:txBody>
+      </p:sp>
+    </p:spTree>
+  </p:cSld>
+  <p:clrMapOvr>
+    <a:masterClrMapping/>
+  </p:clrMapOvr>
+  <mc:AlternateContent xmlns:mc="http://schemas.openxmlformats.org/markup-compatibility/2006">
+    <mc:Choice xmlns:p159="http://schemas.microsoft.com/office/powerpoint/2015/09/main" Requires="p159">
+      <p:transition xmlns:p14="http://schemas.microsoft.com/office/powerpoint/2010/main" spd="slow" p14:dur="2000">
+        <p159:morph option="byObject"/>
+      </p:transition>
+    </mc:Choice>
+    <mc:Fallback>
+      <p:transition spd="slow">
+        <p:fade/>
+      </p:transition>
+    </mc:Fallback>
+  </mc:AlternateContent>
+</p:sld>
+</file>
+
 <file path=ppt/slides/slide23.xml><?xml version="1.0" encoding="utf-8"?>
+<p:sld xmlns:a="http://schemas.openxmlformats.org/drawingml/2006/main" xmlns:r="http://schemas.openxmlformats.org/officeDocument/2006/relationships" xmlns:p="http://schemas.openxmlformats.org/presentationml/2006/main" show="0">
+  <p:cSld>
+    <p:spTree>
+      <p:nvGrpSpPr>
+        <p:cNvPr id="1" name=""/>
+        <p:cNvGrpSpPr/>
+        <p:nvPr/>
+      </p:nvGrpSpPr>
+      <p:grpSpPr>
+        <a:xfrm>
+          <a:off x="0" y="0"/>
+          <a:ext cx="0" cy="0"/>
+          <a:chOff x="0" y="0"/>
+          <a:chExt cx="0" cy="0"/>
+        </a:xfrm>
+      </p:grpSpPr>
+      <p:sp>
+        <p:nvSpPr>
+          <p:cNvPr id="2" name="Title 1"/>
+          <p:cNvSpPr>
+            <a:spLocks noGrp="1"/>
+          </p:cNvSpPr>
+          <p:nvPr>
+            <p:ph type="title"/>
+          </p:nvPr>
+        </p:nvSpPr>
+        <p:spPr/>
+        <p:txBody>
+          <a:bodyPr/>
+          <a:lstStyle/>
+          <a:p>
+            <a:r>
+              <a:rPr dirty="0"/>
+              <a:t>Código </a:t>
+            </a:r>
+            <a:r>
+              <a:rPr lang="en-US" dirty="0"/>
+              <a:t>-</a:t>
+            </a:r>
+            <a:r>
+              <a:rPr dirty="0"/>
+              <a:t> Render de Cartas</a:t>
+            </a:r>
+          </a:p>
+        </p:txBody>
+      </p:sp>
+      <p:sp>
+        <p:nvSpPr>
+          <p:cNvPr id="3" name="Content Placeholder 2"/>
+          <p:cNvSpPr>
+            <a:spLocks noGrp="1"/>
+          </p:cNvSpPr>
+          <p:nvPr>
+            <p:ph idx="1"/>
+          </p:nvPr>
+        </p:nvSpPr>
+        <p:spPr/>
+        <p:txBody>
+          <a:bodyPr/>
+          <a:lstStyle/>
+          <a:p>
+            <a:pPr marL="0" indent="0">
+              <a:buNone/>
+            </a:pPr>
+            <a:r>
+              <a:rPr dirty="0"/>
+              <a:t>def </a:t>
+            </a:r>
+            <a:r>
+              <a:rPr dirty="0" err="1"/>
+              <a:t>hacer_superficie_carta</a:t>
+            </a:r>
+            <a:r>
+              <a:rPr dirty="0"/>
+              <a:t>(c):</a:t>
+            </a:r>
+          </a:p>
+          <a:p>
+            <a:pPr marL="0" indent="0">
+              <a:buNone/>
+            </a:pPr>
+            <a:r>
+              <a:rPr dirty="0"/>
+              <a:t>    </a:t>
+            </a:r>
+            <a:r>
+              <a:rPr dirty="0" err="1"/>
+              <a:t>pygame.draw.rect</a:t>
+            </a:r>
+            <a:r>
+              <a:rPr dirty="0"/>
+              <a:t>(...)</a:t>
+            </a:r>
+          </a:p>
+          <a:p>
+            <a:pPr marL="0" indent="0">
+              <a:buNone/>
+            </a:pPr>
+            <a:r>
+              <a:rPr dirty="0"/>
+              <a:t>    </a:t>
+            </a:r>
+            <a:r>
+              <a:rPr dirty="0" err="1"/>
+              <a:t>pantalla.blit</a:t>
+            </a:r>
+            <a:r>
+              <a:rPr dirty="0"/>
+              <a:t>(</a:t>
+            </a:r>
+            <a:r>
+              <a:rPr dirty="0" err="1"/>
+              <a:t>texto</a:t>
+            </a:r>
+            <a:r>
+              <a:rPr dirty="0"/>
+              <a:t>, ...)</a:t>
+            </a:r>
+          </a:p>
+        </p:txBody>
+      </p:sp>
+    </p:spTree>
+  </p:cSld>
+  <p:clrMapOvr>
+    <a:masterClrMapping/>
+  </p:clrMapOvr>
+  <mc:AlternateContent xmlns:mc="http://schemas.openxmlformats.org/markup-compatibility/2006">
+    <mc:Choice xmlns:p159="http://schemas.microsoft.com/office/powerpoint/2015/09/main" Requires="p159">
+      <p:transition xmlns:p14="http://schemas.microsoft.com/office/powerpoint/2010/main" spd="slow" p14:dur="2000">
+        <p159:morph option="byObject"/>
+      </p:transition>
+    </mc:Choice>
+    <mc:Fallback>
+      <p:transition spd="slow">
+        <p:fade/>
+      </p:transition>
+    </mc:Fallback>
+  </mc:AlternateContent>
+</p:sld>
+</file>
+
+<file path=ppt/slides/slide24.xml><?xml version="1.0" encoding="utf-8"?>
 <p:sld xmlns:a="http://schemas.openxmlformats.org/drawingml/2006/main" xmlns:r="http://schemas.openxmlformats.org/officeDocument/2006/relationships" xmlns:p="http://schemas.openxmlformats.org/presentationml/2006/main">
   <p:cSld>
     <p:spTree>
@@ -9376,10 +9559,6 @@
               <a:rPr dirty="0" err="1"/>
               <a:t>inicial</a:t>
             </a:r>
-            <a:r>
-              <a:rPr dirty="0"/>
-              <a:t>.</a:t>
-            </a:r>
             <a:endParaRPr lang="en-GB" dirty="0"/>
           </a:p>
           <a:p>
@@ -9416,7 +9595,7 @@
             </a:r>
             <a:r>
               <a:rPr lang="en-GB" dirty="0"/>
-              <a:t> de cartas.</a:t>
+              <a:t> de cartas</a:t>
             </a:r>
           </a:p>
         </p:txBody>
@@ -9484,6 +9663,67 @@
           </a:p>
         </p:txBody>
       </p:sp>
+      <p:sp>
+        <p:nvSpPr>
+          <p:cNvPr id="3" name="Content Placeholder 2">
+            <a:extLst>
+              <a:ext uri="{FF2B5EF4-FFF2-40B4-BE49-F238E27FC236}">
+                <a16:creationId xmlns:a16="http://schemas.microsoft.com/office/drawing/2014/main" id="{84D86A5F-AEF5-D73A-7071-D44D00A48298}"/>
+              </a:ext>
+            </a:extLst>
+          </p:cNvPr>
+          <p:cNvSpPr>
+            <a:spLocks noGrp="1"/>
+          </p:cNvSpPr>
+          <p:nvPr>
+            <p:ph idx="1"/>
+          </p:nvPr>
+        </p:nvSpPr>
+        <p:spPr/>
+        <p:txBody>
+          <a:bodyPr/>
+          <a:lstStyle/>
+          <a:p>
+            <a:r>
+              <a:rPr lang="en-US" dirty="0"/>
+              <a:t>Se </a:t>
+            </a:r>
+            <a:r>
+              <a:rPr lang="en-US" dirty="0" err="1"/>
+              <a:t>cuenta</a:t>
+            </a:r>
+            <a:r>
+              <a:rPr lang="en-US" dirty="0"/>
+              <a:t> primero la </a:t>
+            </a:r>
+            <a:r>
+              <a:rPr lang="en-US" dirty="0" err="1"/>
+              <a:t>repetición</a:t>
+            </a:r>
+            <a:r>
+              <a:rPr lang="en-US" dirty="0"/>
+              <a:t> de </a:t>
+            </a:r>
+            <a:r>
+              <a:rPr lang="en-US" dirty="0" err="1"/>
+              <a:t>valores</a:t>
+            </a:r>
+            <a:r>
+              <a:rPr lang="en-US" dirty="0"/>
+              <a:t>, y se </a:t>
+            </a:r>
+            <a:r>
+              <a:rPr lang="en-US" dirty="0" err="1"/>
+              <a:t>compara</a:t>
+            </a:r>
+            <a:r>
+              <a:rPr lang="en-US" dirty="0"/>
+              <a:t>:</a:t>
+            </a:r>
+            <a:endParaRPr lang="en-GB" dirty="0"/>
+          </a:p>
+        </p:txBody>
+      </p:sp>
       <p:pic>
         <p:nvPicPr>
           <p:cNvPr id="5" name="Picture 4" descr="A screen shot of a computer code&#10;&#10;AI-generated content may be incorrect.">
@@ -9512,7 +9752,7 @@
         </p:blipFill>
         <p:spPr>
           <a:xfrm>
-            <a:off x="0" y="1027906"/>
+            <a:off x="0" y="1361281"/>
             <a:ext cx="12192000" cy="6029221"/>
           </a:xfrm>
           <a:prstGeom prst="rect">
@@ -9541,7 +9781,7 @@
 </file>
 
 <file path=ppt/slides/slide9.xml><?xml version="1.0" encoding="utf-8"?>
-<p:sld xmlns:a="http://schemas.openxmlformats.org/drawingml/2006/main" xmlns:r="http://schemas.openxmlformats.org/officeDocument/2006/relationships" xmlns:p="http://schemas.openxmlformats.org/presentationml/2006/main">
+<p:sld xmlns:a="http://schemas.openxmlformats.org/drawingml/2006/main" xmlns:r="http://schemas.openxmlformats.org/officeDocument/2006/relationships" xmlns:p="http://schemas.openxmlformats.org/presentationml/2006/main" show="0">
   <p:cSld>
     <p:spTree>
       <p:nvGrpSpPr>
@@ -9610,8 +9850,22 @@
           <a:lstStyle/>
           <a:p>
             <a:r>
-              <a:t>Código — Evaluación</a:t>
-            </a:r>
+              <a:rPr dirty="0"/>
+              <a:t>Código </a:t>
+            </a:r>
+            <a:r>
+              <a:rPr lang="en-US" dirty="0"/>
+              <a:t>-</a:t>
+            </a:r>
+            <a:r>
+              <a:rPr dirty="0"/>
+              <a:t> </a:t>
+            </a:r>
+            <a:r>
+              <a:rPr dirty="0" err="1"/>
+              <a:t>Evaluación</a:t>
+            </a:r>
+            <a:endParaRPr dirty="0"/>
           </a:p>
         </p:txBody>
       </p:sp>

--- a/Pylatro presents.pptx
+++ b/Pylatro presents.pptx
@@ -5,7 +5,7 @@
     <p:sldMasterId id="2147483678" r:id="rId1"/>
   </p:sldMasterIdLst>
   <p:notesMasterIdLst>
-    <p:notesMasterId r:id="rId26"/>
+    <p:notesMasterId r:id="rId19"/>
   </p:notesMasterIdLst>
   <p:sldIdLst>
     <p:sldId id="256" r:id="rId2"/>
@@ -13,25 +13,18 @@
     <p:sldId id="259" r:id="rId4"/>
     <p:sldId id="257" r:id="rId5"/>
     <p:sldId id="260" r:id="rId6"/>
-    <p:sldId id="279" r:id="rId7"/>
-    <p:sldId id="262" r:id="rId8"/>
-    <p:sldId id="263" r:id="rId9"/>
-    <p:sldId id="264" r:id="rId10"/>
-    <p:sldId id="278" r:id="rId11"/>
-    <p:sldId id="277" r:id="rId12"/>
-    <p:sldId id="265" r:id="rId13"/>
-    <p:sldId id="280" r:id="rId14"/>
-    <p:sldId id="266" r:id="rId15"/>
-    <p:sldId id="267" r:id="rId16"/>
-    <p:sldId id="281" r:id="rId17"/>
-    <p:sldId id="268" r:id="rId18"/>
-    <p:sldId id="269" r:id="rId19"/>
-    <p:sldId id="270" r:id="rId20"/>
-    <p:sldId id="273" r:id="rId21"/>
-    <p:sldId id="271" r:id="rId22"/>
-    <p:sldId id="272" r:id="rId23"/>
-    <p:sldId id="274" r:id="rId24"/>
-    <p:sldId id="276" r:id="rId25"/>
+    <p:sldId id="263" r:id="rId7"/>
+    <p:sldId id="278" r:id="rId8"/>
+    <p:sldId id="277" r:id="rId9"/>
+    <p:sldId id="265" r:id="rId10"/>
+    <p:sldId id="280" r:id="rId11"/>
+    <p:sldId id="266" r:id="rId12"/>
+    <p:sldId id="281" r:id="rId13"/>
+    <p:sldId id="268" r:id="rId14"/>
+    <p:sldId id="269" r:id="rId15"/>
+    <p:sldId id="273" r:id="rId16"/>
+    <p:sldId id="271" r:id="rId17"/>
+    <p:sldId id="276" r:id="rId18"/>
   </p:sldIdLst>
   <p:sldSz cx="12192000" cy="6858000"/>
   <p:notesSz cx="6858000" cy="9144000"/>
@@ -133,6 +126,9 @@
   <p:extLst>
     <p:ext uri="{EFAFB233-063F-42B5-8137-9DF3F51BA10A}">
       <p15:sldGuideLst xmlns:p15="http://schemas.microsoft.com/office/powerpoint/2012/main"/>
+    </p:ext>
+    <p:ext uri="{2D200454-40CA-4A62-9FC3-DE9A4176ACB9}">
+      <p15:notesGuideLst xmlns:p15="http://schemas.microsoft.com/office/powerpoint/2012/main"/>
     </p:ext>
   </p:extLst>
 </p:presentation>
@@ -6317,414 +6313,6 @@
         <p:cNvPr id="1" name="">
           <a:extLst>
             <a:ext uri="{FF2B5EF4-FFF2-40B4-BE49-F238E27FC236}">
-              <a16:creationId xmlns:a16="http://schemas.microsoft.com/office/drawing/2014/main" id="{F0D6F61A-AB6B-EC94-3D16-869AE2DE3B24}"/>
-            </a:ext>
-          </a:extLst>
-        </p:cNvPr>
-        <p:cNvGrpSpPr/>
-        <p:nvPr/>
-      </p:nvGrpSpPr>
-      <p:grpSpPr>
-        <a:xfrm>
-          <a:off x="0" y="0"/>
-          <a:ext cx="0" cy="0"/>
-          <a:chOff x="0" y="0"/>
-          <a:chExt cx="0" cy="0"/>
-        </a:xfrm>
-      </p:grpSpPr>
-      <p:pic>
-        <p:nvPicPr>
-          <p:cNvPr id="3" name="Picture 2" descr="A card game with cards and chips&#10;&#10;AI-generated content may be incorrect.">
-            <a:extLst>
-              <a:ext uri="{FF2B5EF4-FFF2-40B4-BE49-F238E27FC236}">
-                <a16:creationId xmlns:a16="http://schemas.microsoft.com/office/drawing/2014/main" id="{7E578D2A-8D34-24A0-01D8-0FEB69D0B0E5}"/>
-              </a:ext>
-            </a:extLst>
-          </p:cNvPr>
-          <p:cNvPicPr>
-            <a:picLocks noChangeAspect="1"/>
-          </p:cNvPicPr>
-          <p:nvPr/>
-        </p:nvPicPr>
-        <p:blipFill>
-          <a:blip r:embed="rId2">
-            <a:extLst>
-              <a:ext uri="{28A0092B-C50C-407E-A947-70E740481C1C}">
-                <a14:useLocalDpi xmlns:a14="http://schemas.microsoft.com/office/drawing/2010/main" val="0"/>
-              </a:ext>
-            </a:extLst>
-          </a:blip>
-          <a:stretch>
-            <a:fillRect/>
-          </a:stretch>
-        </p:blipFill>
-        <p:spPr>
-          <a:xfrm>
-            <a:off x="-2641600" y="-2759075"/>
-            <a:ext cx="20421600" cy="11487150"/>
-          </a:xfrm>
-          <a:prstGeom prst="rect">
-            <a:avLst/>
-          </a:prstGeom>
-        </p:spPr>
-      </p:pic>
-    </p:spTree>
-    <p:extLst>
-      <p:ext uri="{BB962C8B-B14F-4D97-AF65-F5344CB8AC3E}">
-        <p14:creationId xmlns:p14="http://schemas.microsoft.com/office/powerpoint/2010/main" val="3379356275"/>
-      </p:ext>
-    </p:extLst>
-  </p:cSld>
-  <p:clrMapOvr>
-    <a:masterClrMapping/>
-  </p:clrMapOvr>
-  <mc:AlternateContent xmlns:mc="http://schemas.openxmlformats.org/markup-compatibility/2006" xmlns:p159="http://schemas.microsoft.com/office/powerpoint/2015/09/main">
-    <mc:Choice Requires="p159">
-      <p:transition xmlns:p14="http://schemas.microsoft.com/office/powerpoint/2010/main" spd="slow" p14:dur="2000">
-        <p159:morph option="byObject"/>
-      </p:transition>
-    </mc:Choice>
-    <mc:Fallback xmlns="">
-      <p:transition spd="slow">
-        <p:fade/>
-      </p:transition>
-    </mc:Fallback>
-  </mc:AlternateContent>
-</p:sld>
-</file>
-
-<file path=ppt/slides/slide11.xml><?xml version="1.0" encoding="utf-8"?>
-<p:sld xmlns:a="http://schemas.openxmlformats.org/drawingml/2006/main" xmlns:r="http://schemas.openxmlformats.org/officeDocument/2006/relationships" xmlns:p="http://schemas.openxmlformats.org/presentationml/2006/main">
-  <p:cSld>
-    <p:spTree>
-      <p:nvGrpSpPr>
-        <p:cNvPr id="1" name="">
-          <a:extLst>
-            <a:ext uri="{FF2B5EF4-FFF2-40B4-BE49-F238E27FC236}">
-              <a16:creationId xmlns:a16="http://schemas.microsoft.com/office/drawing/2014/main" id="{29856A8C-A9BF-B7EF-16F3-05FCA278029C}"/>
-            </a:ext>
-          </a:extLst>
-        </p:cNvPr>
-        <p:cNvGrpSpPr/>
-        <p:nvPr/>
-      </p:nvGrpSpPr>
-      <p:grpSpPr>
-        <a:xfrm>
-          <a:off x="0" y="0"/>
-          <a:ext cx="0" cy="0"/>
-          <a:chOff x="0" y="0"/>
-          <a:chExt cx="0" cy="0"/>
-        </a:xfrm>
-      </p:grpSpPr>
-      <p:sp>
-        <p:nvSpPr>
-          <p:cNvPr id="2" name="Title 1">
-            <a:extLst>
-              <a:ext uri="{FF2B5EF4-FFF2-40B4-BE49-F238E27FC236}">
-                <a16:creationId xmlns:a16="http://schemas.microsoft.com/office/drawing/2014/main" id="{FB1813B6-0F01-345E-20A7-9CC1AF9FC65A}"/>
-              </a:ext>
-            </a:extLst>
-          </p:cNvPr>
-          <p:cNvSpPr>
-            <a:spLocks noGrp="1"/>
-          </p:cNvSpPr>
-          <p:nvPr>
-            <p:ph type="ctrTitle"/>
-          </p:nvPr>
-        </p:nvSpPr>
-        <p:spPr/>
-        <p:txBody>
-          <a:bodyPr/>
-          <a:lstStyle/>
-          <a:p>
-            <a:endParaRPr lang="en-GB"/>
-          </a:p>
-        </p:txBody>
-      </p:sp>
-      <p:sp>
-        <p:nvSpPr>
-          <p:cNvPr id="3" name="Subtitle 2">
-            <a:extLst>
-              <a:ext uri="{FF2B5EF4-FFF2-40B4-BE49-F238E27FC236}">
-                <a16:creationId xmlns:a16="http://schemas.microsoft.com/office/drawing/2014/main" id="{FB10F161-E8FF-704C-0C9F-0F2DA68E1E42}"/>
-              </a:ext>
-            </a:extLst>
-          </p:cNvPr>
-          <p:cNvSpPr>
-            <a:spLocks noGrp="1"/>
-          </p:cNvSpPr>
-          <p:nvPr>
-            <p:ph type="subTitle" idx="1"/>
-          </p:nvPr>
-        </p:nvSpPr>
-        <p:spPr/>
-        <p:txBody>
-          <a:bodyPr/>
-          <a:lstStyle/>
-          <a:p>
-            <a:endParaRPr lang="en-GB"/>
-          </a:p>
-        </p:txBody>
-      </p:sp>
-      <p:pic>
-        <p:nvPicPr>
-          <p:cNvPr id="7" name="Picture 6" descr="A card game with cards and chips">
-            <a:extLst>
-              <a:ext uri="{FF2B5EF4-FFF2-40B4-BE49-F238E27FC236}">
-                <a16:creationId xmlns:a16="http://schemas.microsoft.com/office/drawing/2014/main" id="{D129C7D8-EBA0-DC5A-35F4-73E53D3064C1}"/>
-              </a:ext>
-            </a:extLst>
-          </p:cNvPr>
-          <p:cNvPicPr>
-            <a:picLocks noChangeAspect="1"/>
-          </p:cNvPicPr>
-          <p:nvPr/>
-        </p:nvPicPr>
-        <p:blipFill>
-          <a:blip r:embed="rId2">
-            <a:extLst>
-              <a:ext uri="{28A0092B-C50C-407E-A947-70E740481C1C}">
-                <a14:useLocalDpi xmlns:a14="http://schemas.microsoft.com/office/drawing/2010/main" val="0"/>
-              </a:ext>
-            </a:extLst>
-          </a:blip>
-          <a:stretch>
-            <a:fillRect/>
-          </a:stretch>
-        </p:blipFill>
-        <p:spPr>
-          <a:xfrm>
-            <a:off x="-8305800" y="0"/>
-            <a:ext cx="20497800" cy="11530013"/>
-          </a:xfrm>
-          <a:prstGeom prst="rect">
-            <a:avLst/>
-          </a:prstGeom>
-        </p:spPr>
-      </p:pic>
-    </p:spTree>
-    <p:extLst>
-      <p:ext uri="{BB962C8B-B14F-4D97-AF65-F5344CB8AC3E}">
-        <p14:creationId xmlns:p14="http://schemas.microsoft.com/office/powerpoint/2010/main" val="1528353219"/>
-      </p:ext>
-    </p:extLst>
-  </p:cSld>
-  <p:clrMapOvr>
-    <a:masterClrMapping/>
-  </p:clrMapOvr>
-  <mc:AlternateContent xmlns:mc="http://schemas.openxmlformats.org/markup-compatibility/2006" xmlns:p159="http://schemas.microsoft.com/office/powerpoint/2015/09/main">
-    <mc:Choice Requires="p159">
-      <p:transition xmlns:p14="http://schemas.microsoft.com/office/powerpoint/2010/main" spd="slow" p14:dur="2000">
-        <p159:morph option="byObject"/>
-      </p:transition>
-    </mc:Choice>
-    <mc:Fallback xmlns="">
-      <p:transition spd="slow">
-        <p:fade/>
-      </p:transition>
-    </mc:Fallback>
-  </mc:AlternateContent>
-</p:sld>
-</file>
-
-<file path=ppt/slides/slide12.xml><?xml version="1.0" encoding="utf-8"?>
-<p:sld xmlns:a="http://schemas.openxmlformats.org/drawingml/2006/main" xmlns:r="http://schemas.openxmlformats.org/officeDocument/2006/relationships" xmlns:p="http://schemas.openxmlformats.org/presentationml/2006/main">
-  <p:cSld>
-    <p:spTree>
-      <p:nvGrpSpPr>
-        <p:cNvPr id="1" name=""/>
-        <p:cNvGrpSpPr/>
-        <p:nvPr/>
-      </p:nvGrpSpPr>
-      <p:grpSpPr>
-        <a:xfrm>
-          <a:off x="0" y="0"/>
-          <a:ext cx="0" cy="0"/>
-          <a:chOff x="0" y="0"/>
-          <a:chExt cx="0" cy="0"/>
-        </a:xfrm>
-      </p:grpSpPr>
-      <p:sp>
-        <p:nvSpPr>
-          <p:cNvPr id="2" name="Title 1"/>
-          <p:cNvSpPr>
-            <a:spLocks noGrp="1"/>
-          </p:cNvSpPr>
-          <p:nvPr>
-            <p:ph type="title"/>
-          </p:nvPr>
-        </p:nvSpPr>
-        <p:spPr/>
-        <p:txBody>
-          <a:bodyPr/>
-          <a:lstStyle/>
-          <a:p>
-            <a:r>
-              <a:rPr dirty="0"/>
-              <a:t>Jokers </a:t>
-            </a:r>
-            <a:r>
-              <a:rPr lang="en-US" dirty="0"/>
-              <a:t>-</a:t>
-            </a:r>
-            <a:r>
-              <a:rPr dirty="0"/>
-              <a:t> </a:t>
-            </a:r>
-            <a:r>
-              <a:rPr dirty="0" err="1"/>
-              <a:t>Concepto</a:t>
-            </a:r>
-            <a:endParaRPr dirty="0"/>
-          </a:p>
-        </p:txBody>
-      </p:sp>
-      <p:sp>
-        <p:nvSpPr>
-          <p:cNvPr id="3" name="Content Placeholder 2"/>
-          <p:cNvSpPr>
-            <a:spLocks noGrp="1"/>
-          </p:cNvSpPr>
-          <p:nvPr>
-            <p:ph idx="1"/>
-          </p:nvPr>
-        </p:nvSpPr>
-        <p:spPr/>
-        <p:txBody>
-          <a:bodyPr/>
-          <a:lstStyle/>
-          <a:p>
-            <a:r>
-              <a:rPr dirty="0" err="1"/>
-              <a:t>Clases</a:t>
-            </a:r>
-            <a:r>
-              <a:rPr dirty="0"/>
-              <a:t> </a:t>
-            </a:r>
-            <a:r>
-              <a:rPr dirty="0" err="1"/>
-              <a:t>independientes</a:t>
-            </a:r>
-            <a:endParaRPr lang="en-US" dirty="0"/>
-          </a:p>
-          <a:p>
-            <a:r>
-              <a:rPr dirty="0" err="1"/>
-              <a:t>Modifican</a:t>
-            </a:r>
-            <a:r>
-              <a:rPr dirty="0"/>
-              <a:t> chips y </a:t>
-            </a:r>
-            <a:r>
-              <a:rPr dirty="0" err="1"/>
-              <a:t>multiplicadores</a:t>
-            </a:r>
-            <a:endParaRPr lang="en-US" dirty="0"/>
-          </a:p>
-          <a:p>
-            <a:r>
-              <a:rPr dirty="0"/>
-              <a:t>Cada uno </a:t>
-            </a:r>
-            <a:r>
-              <a:rPr dirty="0" err="1"/>
-              <a:t>tiene</a:t>
-            </a:r>
-            <a:r>
-              <a:rPr dirty="0"/>
-              <a:t> </a:t>
-            </a:r>
-            <a:r>
-              <a:rPr dirty="0" err="1"/>
-              <a:t>precio</a:t>
-            </a:r>
-            <a:r>
-              <a:rPr dirty="0"/>
-              <a:t>, </a:t>
-            </a:r>
-            <a:r>
-              <a:rPr dirty="0" err="1"/>
-              <a:t>habilidad</a:t>
-            </a:r>
-            <a:r>
-              <a:rPr dirty="0"/>
-              <a:t> y </a:t>
-            </a:r>
-            <a:r>
-              <a:rPr dirty="0" err="1"/>
-              <a:t>descripción</a:t>
-            </a:r>
-            <a:endParaRPr dirty="0"/>
-          </a:p>
-        </p:txBody>
-      </p:sp>
-      <p:pic>
-        <p:nvPicPr>
-          <p:cNvPr id="4" name="Picture 3" descr="A card game with cards and chips">
-            <a:extLst>
-              <a:ext uri="{FF2B5EF4-FFF2-40B4-BE49-F238E27FC236}">
-                <a16:creationId xmlns:a16="http://schemas.microsoft.com/office/drawing/2014/main" id="{34A4DE6D-6362-D403-90BB-CCE6808E8E50}"/>
-              </a:ext>
-            </a:extLst>
-          </p:cNvPr>
-          <p:cNvPicPr>
-            <a:picLocks noChangeAspect="1"/>
-          </p:cNvPicPr>
-          <p:nvPr/>
-        </p:nvPicPr>
-        <p:blipFill>
-          <a:blip r:embed="rId2">
-            <a:alphaModFix amt="6000"/>
-            <a:extLst>
-              <a:ext uri="{28A0092B-C50C-407E-A947-70E740481C1C}">
-                <a14:useLocalDpi xmlns:a14="http://schemas.microsoft.com/office/drawing/2010/main" val="0"/>
-              </a:ext>
-            </a:extLst>
-          </a:blip>
-          <a:stretch>
-            <a:fillRect/>
-          </a:stretch>
-        </p:blipFill>
-        <p:spPr>
-          <a:xfrm>
-            <a:off x="-8305800" y="0"/>
-            <a:ext cx="20497800" cy="11530013"/>
-          </a:xfrm>
-          <a:prstGeom prst="rect">
-            <a:avLst/>
-          </a:prstGeom>
-        </p:spPr>
-      </p:pic>
-    </p:spTree>
-  </p:cSld>
-  <p:clrMapOvr>
-    <a:masterClrMapping/>
-  </p:clrMapOvr>
-  <mc:AlternateContent xmlns:mc="http://schemas.openxmlformats.org/markup-compatibility/2006" xmlns:p159="http://schemas.microsoft.com/office/powerpoint/2015/09/main">
-    <mc:Choice Requires="p159">
-      <p:transition xmlns:p14="http://schemas.microsoft.com/office/powerpoint/2010/main" spd="slow" p14:dur="2000">
-        <p159:morph option="byObject"/>
-      </p:transition>
-    </mc:Choice>
-    <mc:Fallback xmlns="">
-      <p:transition spd="slow">
-        <p:fade/>
-      </p:transition>
-    </mc:Fallback>
-  </mc:AlternateContent>
-</p:sld>
-</file>
-
-<file path=ppt/slides/slide13.xml><?xml version="1.0" encoding="utf-8"?>
-<p:sld xmlns:a="http://schemas.openxmlformats.org/drawingml/2006/main" xmlns:r="http://schemas.openxmlformats.org/officeDocument/2006/relationships" xmlns:p="http://schemas.openxmlformats.org/presentationml/2006/main">
-  <p:cSld>
-    <p:spTree>
-      <p:nvGrpSpPr>
-        <p:cNvPr id="1" name="">
-          <a:extLst>
-            <a:ext uri="{FF2B5EF4-FFF2-40B4-BE49-F238E27FC236}">
               <a16:creationId xmlns:a16="http://schemas.microsoft.com/office/drawing/2014/main" id="{4EDBC447-7E27-1D1F-DA5B-21F7013E6F71}"/>
             </a:ext>
           </a:extLst>
@@ -6801,7 +6389,7 @@
 </p:sld>
 </file>
 
-<file path=ppt/slides/slide14.xml><?xml version="1.0" encoding="utf-8"?>
+<file path=ppt/slides/slide11.xml><?xml version="1.0" encoding="utf-8"?>
 <p:sld xmlns:a="http://schemas.openxmlformats.org/drawingml/2006/main" xmlns:r="http://schemas.openxmlformats.org/officeDocument/2006/relationships" xmlns:p="http://schemas.openxmlformats.org/presentationml/2006/main">
   <p:cSld>
     <p:spTree>
@@ -6874,138 +6462,7 @@
 </p:sld>
 </file>
 
-<file path=ppt/slides/slide15.xml><?xml version="1.0" encoding="utf-8"?>
-<p:sld xmlns:a="http://schemas.openxmlformats.org/drawingml/2006/main" xmlns:r="http://schemas.openxmlformats.org/officeDocument/2006/relationships" xmlns:p="http://schemas.openxmlformats.org/presentationml/2006/main" show="0">
-  <p:cSld>
-    <p:spTree>
-      <p:nvGrpSpPr>
-        <p:cNvPr id="1" name=""/>
-        <p:cNvGrpSpPr/>
-        <p:nvPr/>
-      </p:nvGrpSpPr>
-      <p:grpSpPr>
-        <a:xfrm>
-          <a:off x="0" y="0"/>
-          <a:ext cx="0" cy="0"/>
-          <a:chOff x="0" y="0"/>
-          <a:chExt cx="0" cy="0"/>
-        </a:xfrm>
-      </p:grpSpPr>
-      <p:sp>
-        <p:nvSpPr>
-          <p:cNvPr id="2" name="Title 1"/>
-          <p:cNvSpPr>
-            <a:spLocks noGrp="1"/>
-          </p:cNvSpPr>
-          <p:nvPr>
-            <p:ph type="title"/>
-          </p:nvPr>
-        </p:nvSpPr>
-        <p:spPr/>
-        <p:txBody>
-          <a:bodyPr/>
-          <a:lstStyle/>
-          <a:p>
-            <a:r>
-              <a:t>Jugador</a:t>
-            </a:r>
-          </a:p>
-        </p:txBody>
-      </p:sp>
-      <p:sp>
-        <p:nvSpPr>
-          <p:cNvPr id="3" name="Content Placeholder 2"/>
-          <p:cNvSpPr>
-            <a:spLocks noGrp="1"/>
-          </p:cNvSpPr>
-          <p:nvPr>
-            <p:ph idx="1"/>
-          </p:nvPr>
-        </p:nvSpPr>
-        <p:spPr/>
-        <p:txBody>
-          <a:bodyPr/>
-          <a:lstStyle/>
-          <a:p>
-            <a:r>
-              <a:rPr dirty="0" err="1"/>
-              <a:t>Atributos</a:t>
-            </a:r>
-            <a:r>
-              <a:rPr dirty="0"/>
-              <a:t>: </a:t>
-            </a:r>
-            <a:endParaRPr lang="en-US" dirty="0"/>
-          </a:p>
-          <a:p>
-            <a:pPr lvl="1"/>
-            <a:r>
-              <a:rPr lang="en-GB" dirty="0"/>
-              <a:t>d</a:t>
-            </a:r>
-            <a:r>
-              <a:rPr dirty="0" err="1"/>
-              <a:t>inero</a:t>
-            </a:r>
-            <a:endParaRPr lang="en-US" dirty="0"/>
-          </a:p>
-          <a:p>
-            <a:pPr lvl="1"/>
-            <a:r>
-              <a:rPr lang="en-GB" dirty="0"/>
-              <a:t>n</a:t>
-            </a:r>
-            <a:r>
-              <a:rPr dirty="0" err="1"/>
-              <a:t>ivel</a:t>
-            </a:r>
-            <a:endParaRPr lang="en-US" dirty="0"/>
-          </a:p>
-          <a:p>
-            <a:pPr lvl="1"/>
-            <a:r>
-              <a:rPr lang="en-GB" dirty="0"/>
-              <a:t>l</a:t>
-            </a:r>
-            <a:r>
-              <a:rPr dirty="0" err="1"/>
-              <a:t>ista</a:t>
-            </a:r>
-            <a:r>
-              <a:rPr dirty="0"/>
-              <a:t> de jokers</a:t>
-            </a:r>
-            <a:endParaRPr lang="en-US" dirty="0"/>
-          </a:p>
-          <a:p>
-            <a:pPr marL="0" indent="0">
-              <a:buNone/>
-            </a:pPr>
-            <a:endParaRPr dirty="0"/>
-          </a:p>
-        </p:txBody>
-      </p:sp>
-    </p:spTree>
-  </p:cSld>
-  <p:clrMapOvr>
-    <a:masterClrMapping/>
-  </p:clrMapOvr>
-  <mc:AlternateContent xmlns:mc="http://schemas.openxmlformats.org/markup-compatibility/2006">
-    <mc:Choice xmlns:p159="http://schemas.microsoft.com/office/powerpoint/2015/09/main" Requires="p159">
-      <p:transition xmlns:p14="http://schemas.microsoft.com/office/powerpoint/2010/main" spd="slow" p14:dur="2000">
-        <p159:morph option="byObject"/>
-      </p:transition>
-    </mc:Choice>
-    <mc:Fallback>
-      <p:transition spd="slow">
-        <p:fade/>
-      </p:transition>
-    </mc:Fallback>
-  </mc:AlternateContent>
-</p:sld>
-</file>
-
-<file path=ppt/slides/slide16.xml><?xml version="1.0" encoding="utf-8"?>
+<file path=ppt/slides/slide12.xml><?xml version="1.0" encoding="utf-8"?>
 <p:sld xmlns:a="http://schemas.openxmlformats.org/drawingml/2006/main" xmlns:r="http://schemas.openxmlformats.org/officeDocument/2006/relationships" xmlns:p="http://schemas.openxmlformats.org/presentationml/2006/main">
   <p:cSld>
     <p:spTree>
@@ -7174,13 +6631,13 @@
   <p:clrMapOvr>
     <a:masterClrMapping/>
   </p:clrMapOvr>
-  <mc:AlternateContent xmlns:mc="http://schemas.openxmlformats.org/markup-compatibility/2006">
-    <mc:Choice xmlns:p159="http://schemas.microsoft.com/office/powerpoint/2015/09/main" Requires="p159">
+  <mc:AlternateContent xmlns:mc="http://schemas.openxmlformats.org/markup-compatibility/2006" xmlns:p159="http://schemas.microsoft.com/office/powerpoint/2015/09/main">
+    <mc:Choice Requires="p159">
       <p:transition xmlns:p14="http://schemas.microsoft.com/office/powerpoint/2010/main" spd="slow" p14:dur="2000">
         <p159:morph option="byObject"/>
       </p:transition>
     </mc:Choice>
-    <mc:Fallback>
+    <mc:Fallback xmlns="">
       <p:transition spd="slow">
         <p:fade/>
       </p:transition>
@@ -7189,7 +6646,7 @@
 </p:sld>
 </file>
 
-<file path=ppt/slides/slide17.xml><?xml version="1.0" encoding="utf-8"?>
+<file path=ppt/slides/slide13.xml><?xml version="1.0" encoding="utf-8"?>
 <p:sld xmlns:a="http://schemas.openxmlformats.org/drawingml/2006/main" xmlns:r="http://schemas.openxmlformats.org/officeDocument/2006/relationships" xmlns:p="http://schemas.openxmlformats.org/presentationml/2006/main">
   <p:cSld>
     <p:spTree>
@@ -7421,7 +6878,7 @@
 </p:sld>
 </file>
 
-<file path=ppt/slides/slide18.xml><?xml version="1.0" encoding="utf-8"?>
+<file path=ppt/slides/slide14.xml><?xml version="1.0" encoding="utf-8"?>
 <p:sld xmlns:a="http://schemas.openxmlformats.org/drawingml/2006/main" xmlns:r="http://schemas.openxmlformats.org/officeDocument/2006/relationships" xmlns:p="http://schemas.openxmlformats.org/presentationml/2006/main">
   <p:cSld>
     <p:spTree>
@@ -7529,402 +6986,7 @@
 </p:sld>
 </file>
 
-<file path=ppt/slides/slide19.xml><?xml version="1.0" encoding="utf-8"?>
-<p:sld xmlns:a="http://schemas.openxmlformats.org/drawingml/2006/main" xmlns:r="http://schemas.openxmlformats.org/officeDocument/2006/relationships" xmlns:p="http://schemas.openxmlformats.org/presentationml/2006/main" show="0">
-  <p:cSld>
-    <p:spTree>
-      <p:nvGrpSpPr>
-        <p:cNvPr id="1" name=""/>
-        <p:cNvGrpSpPr/>
-        <p:nvPr/>
-      </p:nvGrpSpPr>
-      <p:grpSpPr>
-        <a:xfrm>
-          <a:off x="0" y="0"/>
-          <a:ext cx="0" cy="0"/>
-          <a:chOff x="0" y="0"/>
-          <a:chExt cx="0" cy="0"/>
-        </a:xfrm>
-      </p:grpSpPr>
-      <p:sp>
-        <p:nvSpPr>
-          <p:cNvPr id="2" name="Title 1"/>
-          <p:cNvSpPr>
-            <a:spLocks noGrp="1"/>
-          </p:cNvSpPr>
-          <p:nvPr>
-            <p:ph type="title"/>
-          </p:nvPr>
-        </p:nvSpPr>
-        <p:spPr/>
-        <p:txBody>
-          <a:bodyPr/>
-          <a:lstStyle/>
-          <a:p>
-            <a:r>
-              <a:t>Condición de Victoria</a:t>
-            </a:r>
-          </a:p>
-        </p:txBody>
-      </p:sp>
-      <p:sp>
-        <p:nvSpPr>
-          <p:cNvPr id="3" name="Content Placeholder 2"/>
-          <p:cNvSpPr>
-            <a:spLocks noGrp="1"/>
-          </p:cNvSpPr>
-          <p:nvPr>
-            <p:ph idx="1"/>
-          </p:nvPr>
-        </p:nvSpPr>
-        <p:spPr/>
-        <p:txBody>
-          <a:bodyPr/>
-          <a:lstStyle/>
-          <a:p>
-            <a:pPr marL="0" indent="0">
-              <a:buNone/>
-            </a:pPr>
-            <a:r>
-              <a:rPr dirty="0"/>
-              <a:t>• </a:t>
-            </a:r>
-            <a:r>
-              <a:rPr dirty="0" err="1"/>
-              <a:t>Ganar</a:t>
-            </a:r>
-            <a:r>
-              <a:rPr dirty="0"/>
-              <a:t> 24 </a:t>
-            </a:r>
-            <a:r>
-              <a:rPr dirty="0" err="1"/>
-              <a:t>rondas</a:t>
-            </a:r>
-            <a:r>
-              <a:rPr dirty="0"/>
-              <a:t> (8 </a:t>
-            </a:r>
-            <a:r>
-              <a:rPr dirty="0" err="1"/>
-              <a:t>ciclos</a:t>
-            </a:r>
-            <a:r>
-              <a:rPr dirty="0"/>
-              <a:t> de 3)</a:t>
-            </a:r>
-          </a:p>
-        </p:txBody>
-      </p:sp>
-    </p:spTree>
-  </p:cSld>
-  <p:clrMapOvr>
-    <a:masterClrMapping/>
-  </p:clrMapOvr>
-  <mc:AlternateContent xmlns:mc="http://schemas.openxmlformats.org/markup-compatibility/2006">
-    <mc:Choice xmlns:p159="http://schemas.microsoft.com/office/powerpoint/2015/09/main" Requires="p159">
-      <p:transition xmlns:p14="http://schemas.microsoft.com/office/powerpoint/2010/main" spd="slow" p14:dur="2000">
-        <p159:morph option="byObject"/>
-      </p:transition>
-    </mc:Choice>
-    <mc:Fallback>
-      <p:transition spd="slow">
-        <p:fade/>
-      </p:transition>
-    </mc:Fallback>
-  </mc:AlternateContent>
-</p:sld>
-</file>
-
-<file path=ppt/slides/slide2.xml><?xml version="1.0" encoding="utf-8"?>
-<p:sld xmlns:a="http://schemas.openxmlformats.org/drawingml/2006/main" xmlns:r="http://schemas.openxmlformats.org/officeDocument/2006/relationships" xmlns:p="http://schemas.openxmlformats.org/presentationml/2006/main">
-  <p:cSld>
-    <p:spTree>
-      <p:nvGrpSpPr>
-        <p:cNvPr id="1" name="">
-          <a:extLst>
-            <a:ext uri="{FF2B5EF4-FFF2-40B4-BE49-F238E27FC236}">
-              <a16:creationId xmlns:a16="http://schemas.microsoft.com/office/drawing/2014/main" id="{FC6D7DD9-9B8F-C829-7829-70AED1CDC6D0}"/>
-            </a:ext>
-          </a:extLst>
-        </p:cNvPr>
-        <p:cNvGrpSpPr/>
-        <p:nvPr/>
-      </p:nvGrpSpPr>
-      <p:grpSpPr>
-        <a:xfrm>
-          <a:off x="0" y="0"/>
-          <a:ext cx="0" cy="0"/>
-          <a:chOff x="0" y="0"/>
-          <a:chExt cx="0" cy="0"/>
-        </a:xfrm>
-      </p:grpSpPr>
-      <p:sp>
-        <p:nvSpPr>
-          <p:cNvPr id="2" name="Title 1">
-            <a:extLst>
-              <a:ext uri="{FF2B5EF4-FFF2-40B4-BE49-F238E27FC236}">
-                <a16:creationId xmlns:a16="http://schemas.microsoft.com/office/drawing/2014/main" id="{3C02CD33-29AB-07EA-9FEB-536F2469B1DB}"/>
-              </a:ext>
-            </a:extLst>
-          </p:cNvPr>
-          <p:cNvSpPr>
-            <a:spLocks noGrp="1"/>
-          </p:cNvSpPr>
-          <p:nvPr>
-            <p:ph type="ctrTitle"/>
-          </p:nvPr>
-        </p:nvSpPr>
-        <p:spPr/>
-        <p:txBody>
-          <a:bodyPr/>
-          <a:lstStyle/>
-          <a:p>
-            <a:endParaRPr lang="en-GB"/>
-          </a:p>
-        </p:txBody>
-      </p:sp>
-      <p:sp>
-        <p:nvSpPr>
-          <p:cNvPr id="3" name="Subtitle 2">
-            <a:extLst>
-              <a:ext uri="{FF2B5EF4-FFF2-40B4-BE49-F238E27FC236}">
-                <a16:creationId xmlns:a16="http://schemas.microsoft.com/office/drawing/2014/main" id="{2EA4987A-CB53-56A6-9828-311B92C8AB51}"/>
-              </a:ext>
-            </a:extLst>
-          </p:cNvPr>
-          <p:cNvSpPr>
-            <a:spLocks noGrp="1"/>
-          </p:cNvSpPr>
-          <p:nvPr>
-            <p:ph type="subTitle" idx="1"/>
-          </p:nvPr>
-        </p:nvSpPr>
-        <p:spPr/>
-        <p:txBody>
-          <a:bodyPr/>
-          <a:lstStyle/>
-          <a:p>
-            <a:endParaRPr lang="en-GB"/>
-          </a:p>
-        </p:txBody>
-      </p:sp>
-      <p:pic>
-        <p:nvPicPr>
-          <p:cNvPr id="7" name="Picture 6" descr="A card game with cards and chips">
-            <a:extLst>
-              <a:ext uri="{FF2B5EF4-FFF2-40B4-BE49-F238E27FC236}">
-                <a16:creationId xmlns:a16="http://schemas.microsoft.com/office/drawing/2014/main" id="{99F4EFE6-77B1-0B50-2566-D3F0A21409A8}"/>
-              </a:ext>
-            </a:extLst>
-          </p:cNvPr>
-          <p:cNvPicPr>
-            <a:picLocks noChangeAspect="1"/>
-          </p:cNvPicPr>
-          <p:nvPr/>
-        </p:nvPicPr>
-        <p:blipFill>
-          <a:blip r:embed="rId2">
-            <a:extLst>
-              <a:ext uri="{28A0092B-C50C-407E-A947-70E740481C1C}">
-                <a14:useLocalDpi xmlns:a14="http://schemas.microsoft.com/office/drawing/2010/main" val="0"/>
-              </a:ext>
-            </a:extLst>
-          </a:blip>
-          <a:stretch>
-            <a:fillRect/>
-          </a:stretch>
-        </p:blipFill>
-        <p:spPr>
-          <a:xfrm>
-            <a:off x="0" y="0"/>
-            <a:ext cx="12192000" cy="6858000"/>
-          </a:xfrm>
-          <a:prstGeom prst="rect">
-            <a:avLst/>
-          </a:prstGeom>
-        </p:spPr>
-      </p:pic>
-      <p:sp>
-        <p:nvSpPr>
-          <p:cNvPr id="4" name="Rectangle 3">
-            <a:extLst>
-              <a:ext uri="{FF2B5EF4-FFF2-40B4-BE49-F238E27FC236}">
-                <a16:creationId xmlns:a16="http://schemas.microsoft.com/office/drawing/2014/main" id="{FCE776DD-FAA8-F1AD-0E54-B8172077728A}"/>
-              </a:ext>
-            </a:extLst>
-          </p:cNvPr>
-          <p:cNvSpPr/>
-          <p:nvPr/>
-        </p:nvSpPr>
-        <p:spPr>
-          <a:xfrm>
-            <a:off x="0" y="0"/>
-            <a:ext cx="12192000" cy="6858000"/>
-          </a:xfrm>
-          <a:prstGeom prst="rect">
-            <a:avLst/>
-          </a:prstGeom>
-          <a:solidFill>
-            <a:srgbClr val="000000">
-              <a:alpha val="60000"/>
-            </a:srgbClr>
-          </a:solidFill>
-        </p:spPr>
-        <p:style>
-          <a:lnRef idx="2">
-            <a:schemeClr val="dk1">
-              <a:shade val="15000"/>
-            </a:schemeClr>
-          </a:lnRef>
-          <a:fillRef idx="1">
-            <a:schemeClr val="dk1"/>
-          </a:fillRef>
-          <a:effectRef idx="0">
-            <a:schemeClr val="dk1"/>
-          </a:effectRef>
-          <a:fontRef idx="minor">
-            <a:schemeClr val="lt1"/>
-          </a:fontRef>
-        </p:style>
-        <p:txBody>
-          <a:bodyPr rtlCol="0" anchor="ctr"/>
-          <a:lstStyle/>
-          <a:p>
-            <a:pPr algn="ctr"/>
-            <a:endParaRPr lang="en-GB" dirty="0"/>
-          </a:p>
-        </p:txBody>
-      </p:sp>
-      <p:sp>
-        <p:nvSpPr>
-          <p:cNvPr id="5" name="TextBox 4">
-            <a:extLst>
-              <a:ext uri="{FF2B5EF4-FFF2-40B4-BE49-F238E27FC236}">
-                <a16:creationId xmlns:a16="http://schemas.microsoft.com/office/drawing/2014/main" id="{E48D4775-2FFE-52A9-3EDA-8C6579109E5A}"/>
-              </a:ext>
-            </a:extLst>
-          </p:cNvPr>
-          <p:cNvSpPr txBox="1"/>
-          <p:nvPr/>
-        </p:nvSpPr>
-        <p:spPr>
-          <a:xfrm>
-            <a:off x="1327150" y="691137"/>
-            <a:ext cx="3771900" cy="1015663"/>
-          </a:xfrm>
-          <a:prstGeom prst="rect">
-            <a:avLst/>
-          </a:prstGeom>
-          <a:noFill/>
-        </p:spPr>
-        <p:txBody>
-          <a:bodyPr wrap="square" rtlCol="0">
-            <a:spAutoFit/>
-          </a:bodyPr>
-          <a:lstStyle/>
-          <a:p>
-            <a:r>
-              <a:rPr lang="en-US" sz="6000" dirty="0" err="1"/>
-              <a:t>Pylatro</a:t>
-            </a:r>
-            <a:endParaRPr lang="en-GB" sz="6000" dirty="0"/>
-          </a:p>
-        </p:txBody>
-      </p:sp>
-      <p:sp>
-        <p:nvSpPr>
-          <p:cNvPr id="6" name="TextBox 5">
-            <a:extLst>
-              <a:ext uri="{FF2B5EF4-FFF2-40B4-BE49-F238E27FC236}">
-                <a16:creationId xmlns:a16="http://schemas.microsoft.com/office/drawing/2014/main" id="{BD0191D3-44FC-AEE3-948A-9DF5E4826998}"/>
-              </a:ext>
-            </a:extLst>
-          </p:cNvPr>
-          <p:cNvSpPr txBox="1"/>
-          <p:nvPr/>
-        </p:nvSpPr>
-        <p:spPr>
-          <a:xfrm>
-            <a:off x="1327150" y="1731091"/>
-            <a:ext cx="4400549" cy="923330"/>
-          </a:xfrm>
-          <a:prstGeom prst="rect">
-            <a:avLst/>
-          </a:prstGeom>
-          <a:noFill/>
-        </p:spPr>
-        <p:txBody>
-          <a:bodyPr wrap="square" rtlCol="0">
-            <a:spAutoFit/>
-          </a:bodyPr>
-          <a:lstStyle/>
-          <a:p>
-            <a:r>
-              <a:rPr lang="en-US" dirty="0"/>
-              <a:t>Una </a:t>
-            </a:r>
-            <a:r>
-              <a:rPr lang="en-US" dirty="0" err="1"/>
-              <a:t>recreación</a:t>
-            </a:r>
-            <a:r>
-              <a:rPr lang="en-US" dirty="0"/>
-              <a:t> de </a:t>
-            </a:r>
-            <a:r>
-              <a:rPr lang="en-US" dirty="0" err="1"/>
-              <a:t>Balatro</a:t>
-            </a:r>
-            <a:r>
-              <a:rPr lang="en-US" dirty="0"/>
-              <a:t> </a:t>
-            </a:r>
-            <a:r>
-              <a:rPr lang="en-US" dirty="0" err="1"/>
-              <a:t>usando</a:t>
-            </a:r>
-            <a:r>
-              <a:rPr lang="en-US" dirty="0"/>
-              <a:t> Python y </a:t>
-            </a:r>
-            <a:r>
-              <a:rPr lang="en-US" dirty="0" err="1"/>
-              <a:t>Pygame</a:t>
-            </a:r>
-            <a:endParaRPr lang="en-GB" dirty="0"/>
-          </a:p>
-          <a:p>
-            <a:endParaRPr lang="en-GB" dirty="0"/>
-          </a:p>
-        </p:txBody>
-      </p:sp>
-    </p:spTree>
-    <p:extLst>
-      <p:ext uri="{BB962C8B-B14F-4D97-AF65-F5344CB8AC3E}">
-        <p14:creationId xmlns:p14="http://schemas.microsoft.com/office/powerpoint/2010/main" val="3923566217"/>
-      </p:ext>
-    </p:extLst>
-  </p:cSld>
-  <p:clrMapOvr>
-    <a:masterClrMapping/>
-  </p:clrMapOvr>
-  <mc:AlternateContent xmlns:mc="http://schemas.openxmlformats.org/markup-compatibility/2006" xmlns:p159="http://schemas.microsoft.com/office/powerpoint/2015/09/main">
-    <mc:Choice Requires="p159">
-      <p:transition xmlns:p14="http://schemas.microsoft.com/office/powerpoint/2010/main" spd="slow" p14:dur="2000">
-        <p159:morph option="byObject"/>
-      </p:transition>
-    </mc:Choice>
-    <mc:Fallback xmlns="">
-      <p:transition spd="slow">
-        <p:fade/>
-      </p:transition>
-    </mc:Fallback>
-  </mc:AlternateContent>
-</p:sld>
-</file>
-
-<file path=ppt/slides/slide20.xml><?xml version="1.0" encoding="utf-8"?>
+<file path=ppt/slides/slide15.xml><?xml version="1.0" encoding="utf-8"?>
 <p:sld xmlns:a="http://schemas.openxmlformats.org/drawingml/2006/main" xmlns:r="http://schemas.openxmlformats.org/officeDocument/2006/relationships" xmlns:p="http://schemas.openxmlformats.org/presentationml/2006/main">
   <p:cSld>
     <p:spTree>
@@ -8110,7 +7172,7 @@
 </p:sld>
 </file>
 
-<file path=ppt/slides/slide21.xml><?xml version="1.0" encoding="utf-8"?>
+<file path=ppt/slides/slide16.xml><?xml version="1.0" encoding="utf-8"?>
 <p:sld xmlns:a="http://schemas.openxmlformats.org/drawingml/2006/main" xmlns:r="http://schemas.openxmlformats.org/officeDocument/2006/relationships" xmlns:p="http://schemas.openxmlformats.org/presentationml/2006/main">
   <p:cSld>
     <p:spTree>
@@ -8270,307 +7332,7 @@
 </p:sld>
 </file>
 
-<file path=ppt/slides/slide22.xml><?xml version="1.0" encoding="utf-8"?>
-<p:sld xmlns:a="http://schemas.openxmlformats.org/drawingml/2006/main" xmlns:r="http://schemas.openxmlformats.org/officeDocument/2006/relationships" xmlns:p="http://schemas.openxmlformats.org/presentationml/2006/main" show="0">
-  <p:cSld>
-    <p:spTree>
-      <p:nvGrpSpPr>
-        <p:cNvPr id="1" name=""/>
-        <p:cNvGrpSpPr/>
-        <p:nvPr/>
-      </p:nvGrpSpPr>
-      <p:grpSpPr>
-        <a:xfrm>
-          <a:off x="0" y="0"/>
-          <a:ext cx="0" cy="0"/>
-          <a:chOff x="0" y="0"/>
-          <a:chExt cx="0" cy="0"/>
-        </a:xfrm>
-      </p:grpSpPr>
-      <p:sp>
-        <p:nvSpPr>
-          <p:cNvPr id="2" name="Title 1"/>
-          <p:cNvSpPr>
-            <a:spLocks noGrp="1"/>
-          </p:cNvSpPr>
-          <p:nvPr>
-            <p:ph type="title"/>
-          </p:nvPr>
-        </p:nvSpPr>
-        <p:spPr/>
-        <p:txBody>
-          <a:bodyPr/>
-          <a:lstStyle/>
-          <a:p>
-            <a:r>
-              <a:rPr dirty="0" err="1"/>
-              <a:t>Controlador</a:t>
-            </a:r>
-            <a:r>
-              <a:rPr dirty="0"/>
-              <a:t> </a:t>
-            </a:r>
-            <a:r>
-              <a:rPr lang="en-US" dirty="0"/>
-              <a:t>-</a:t>
-            </a:r>
-            <a:r>
-              <a:rPr dirty="0"/>
-              <a:t> </a:t>
-            </a:r>
-            <a:r>
-              <a:rPr dirty="0" err="1"/>
-              <a:t>Lógica</a:t>
-            </a:r>
-            <a:r>
-              <a:rPr dirty="0"/>
-              <a:t> Central</a:t>
-            </a:r>
-          </a:p>
-        </p:txBody>
-      </p:sp>
-      <p:sp>
-        <p:nvSpPr>
-          <p:cNvPr id="3" name="Content Placeholder 2"/>
-          <p:cNvSpPr>
-            <a:spLocks noGrp="1"/>
-          </p:cNvSpPr>
-          <p:nvPr>
-            <p:ph idx="1"/>
-          </p:nvPr>
-        </p:nvSpPr>
-        <p:spPr/>
-        <p:txBody>
-          <a:bodyPr/>
-          <a:lstStyle/>
-          <a:p>
-            <a:pPr marL="0" indent="0">
-              <a:buNone/>
-            </a:pPr>
-            <a:r>
-              <a:rPr dirty="0"/>
-              <a:t>• </a:t>
-            </a:r>
-            <a:r>
-              <a:rPr dirty="0" err="1"/>
-              <a:t>RondaController</a:t>
-            </a:r>
-            <a:r>
-              <a:rPr dirty="0"/>
-              <a:t> </a:t>
-            </a:r>
-            <a:r>
-              <a:rPr dirty="0" err="1"/>
-              <a:t>conecta</a:t>
-            </a:r>
-            <a:r>
-              <a:rPr dirty="0"/>
-              <a:t> UI y </a:t>
-            </a:r>
-            <a:r>
-              <a:rPr dirty="0" err="1"/>
-              <a:t>lógica</a:t>
-            </a:r>
-            <a:endParaRPr dirty="0"/>
-          </a:p>
-          <a:p>
-            <a:pPr marL="0" indent="0">
-              <a:buNone/>
-            </a:pPr>
-            <a:r>
-              <a:rPr dirty="0"/>
-              <a:t>• </a:t>
-            </a:r>
-            <a:r>
-              <a:rPr dirty="0" err="1"/>
-              <a:t>Controla</a:t>
-            </a:r>
-            <a:r>
-              <a:rPr dirty="0"/>
-              <a:t> </a:t>
-            </a:r>
-            <a:r>
-              <a:rPr dirty="0" err="1"/>
-              <a:t>descartes</a:t>
-            </a:r>
-            <a:r>
-              <a:rPr dirty="0"/>
-              <a:t>, </a:t>
-            </a:r>
-            <a:r>
-              <a:rPr dirty="0" err="1"/>
-              <a:t>jugadas</a:t>
-            </a:r>
-            <a:r>
-              <a:rPr dirty="0"/>
-              <a:t>, tienda</a:t>
-            </a:r>
-          </a:p>
-        </p:txBody>
-      </p:sp>
-    </p:spTree>
-  </p:cSld>
-  <p:clrMapOvr>
-    <a:masterClrMapping/>
-  </p:clrMapOvr>
-  <mc:AlternateContent xmlns:mc="http://schemas.openxmlformats.org/markup-compatibility/2006">
-    <mc:Choice xmlns:p159="http://schemas.microsoft.com/office/powerpoint/2015/09/main" Requires="p159">
-      <p:transition xmlns:p14="http://schemas.microsoft.com/office/powerpoint/2010/main" spd="slow" p14:dur="2000">
-        <p159:morph option="byObject"/>
-      </p:transition>
-    </mc:Choice>
-    <mc:Fallback>
-      <p:transition spd="slow">
-        <p:fade/>
-      </p:transition>
-    </mc:Fallback>
-  </mc:AlternateContent>
-</p:sld>
-</file>
-
-<file path=ppt/slides/slide23.xml><?xml version="1.0" encoding="utf-8"?>
-<p:sld xmlns:a="http://schemas.openxmlformats.org/drawingml/2006/main" xmlns:r="http://schemas.openxmlformats.org/officeDocument/2006/relationships" xmlns:p="http://schemas.openxmlformats.org/presentationml/2006/main" show="0">
-  <p:cSld>
-    <p:spTree>
-      <p:nvGrpSpPr>
-        <p:cNvPr id="1" name=""/>
-        <p:cNvGrpSpPr/>
-        <p:nvPr/>
-      </p:nvGrpSpPr>
-      <p:grpSpPr>
-        <a:xfrm>
-          <a:off x="0" y="0"/>
-          <a:ext cx="0" cy="0"/>
-          <a:chOff x="0" y="0"/>
-          <a:chExt cx="0" cy="0"/>
-        </a:xfrm>
-      </p:grpSpPr>
-      <p:sp>
-        <p:nvSpPr>
-          <p:cNvPr id="2" name="Title 1"/>
-          <p:cNvSpPr>
-            <a:spLocks noGrp="1"/>
-          </p:cNvSpPr>
-          <p:nvPr>
-            <p:ph type="title"/>
-          </p:nvPr>
-        </p:nvSpPr>
-        <p:spPr/>
-        <p:txBody>
-          <a:bodyPr/>
-          <a:lstStyle/>
-          <a:p>
-            <a:r>
-              <a:rPr dirty="0"/>
-              <a:t>Código </a:t>
-            </a:r>
-            <a:r>
-              <a:rPr lang="en-US" dirty="0"/>
-              <a:t>-</a:t>
-            </a:r>
-            <a:r>
-              <a:rPr dirty="0"/>
-              <a:t> Render de Cartas</a:t>
-            </a:r>
-          </a:p>
-        </p:txBody>
-      </p:sp>
-      <p:sp>
-        <p:nvSpPr>
-          <p:cNvPr id="3" name="Content Placeholder 2"/>
-          <p:cNvSpPr>
-            <a:spLocks noGrp="1"/>
-          </p:cNvSpPr>
-          <p:nvPr>
-            <p:ph idx="1"/>
-          </p:nvPr>
-        </p:nvSpPr>
-        <p:spPr/>
-        <p:txBody>
-          <a:bodyPr/>
-          <a:lstStyle/>
-          <a:p>
-            <a:pPr marL="0" indent="0">
-              <a:buNone/>
-            </a:pPr>
-            <a:r>
-              <a:rPr dirty="0"/>
-              <a:t>def </a:t>
-            </a:r>
-            <a:r>
-              <a:rPr dirty="0" err="1"/>
-              <a:t>hacer_superficie_carta</a:t>
-            </a:r>
-            <a:r>
-              <a:rPr dirty="0"/>
-              <a:t>(c):</a:t>
-            </a:r>
-          </a:p>
-          <a:p>
-            <a:pPr marL="0" indent="0">
-              <a:buNone/>
-            </a:pPr>
-            <a:r>
-              <a:rPr dirty="0"/>
-              <a:t>    </a:t>
-            </a:r>
-            <a:r>
-              <a:rPr dirty="0" err="1"/>
-              <a:t>pygame.draw.rect</a:t>
-            </a:r>
-            <a:r>
-              <a:rPr dirty="0"/>
-              <a:t>(...)</a:t>
-            </a:r>
-          </a:p>
-          <a:p>
-            <a:pPr marL="0" indent="0">
-              <a:buNone/>
-            </a:pPr>
-            <a:r>
-              <a:rPr dirty="0"/>
-              <a:t>    </a:t>
-            </a:r>
-            <a:r>
-              <a:rPr dirty="0" err="1"/>
-              <a:t>pantalla.blit</a:t>
-            </a:r>
-            <a:r>
-              <a:rPr dirty="0"/>
-              <a:t>(</a:t>
-            </a:r>
-            <a:r>
-              <a:rPr dirty="0" err="1"/>
-              <a:t>texto</a:t>
-            </a:r>
-            <a:r>
-              <a:rPr dirty="0"/>
-              <a:t>, ...)</a:t>
-            </a:r>
-          </a:p>
-        </p:txBody>
-      </p:sp>
-    </p:spTree>
-  </p:cSld>
-  <p:clrMapOvr>
-    <a:masterClrMapping/>
-  </p:clrMapOvr>
-  <mc:AlternateContent xmlns:mc="http://schemas.openxmlformats.org/markup-compatibility/2006">
-    <mc:Choice xmlns:p159="http://schemas.microsoft.com/office/powerpoint/2015/09/main" Requires="p159">
-      <p:transition xmlns:p14="http://schemas.microsoft.com/office/powerpoint/2010/main" spd="slow" p14:dur="2000">
-        <p159:morph option="byObject"/>
-      </p:transition>
-    </mc:Choice>
-    <mc:Fallback>
-      <p:transition spd="slow">
-        <p:fade/>
-      </p:transition>
-    </mc:Fallback>
-  </mc:AlternateContent>
-</p:sld>
-</file>
-
-<file path=ppt/slides/slide24.xml><?xml version="1.0" encoding="utf-8"?>
+<file path=ppt/slides/slide17.xml><?xml version="1.0" encoding="utf-8"?>
 <p:sld xmlns:a="http://schemas.openxmlformats.org/drawingml/2006/main" xmlns:r="http://schemas.openxmlformats.org/officeDocument/2006/relationships" xmlns:p="http://schemas.openxmlformats.org/presentationml/2006/main">
   <p:cSld>
     <p:spTree>
@@ -8738,6 +7500,294 @@
         </p:spPr>
       </p:pic>
     </p:spTree>
+  </p:cSld>
+  <p:clrMapOvr>
+    <a:masterClrMapping/>
+  </p:clrMapOvr>
+  <mc:AlternateContent xmlns:mc="http://schemas.openxmlformats.org/markup-compatibility/2006" xmlns:p159="http://schemas.microsoft.com/office/powerpoint/2015/09/main">
+    <mc:Choice Requires="p159">
+      <p:transition xmlns:p14="http://schemas.microsoft.com/office/powerpoint/2010/main" spd="slow" p14:dur="2000">
+        <p159:morph option="byObject"/>
+      </p:transition>
+    </mc:Choice>
+    <mc:Fallback xmlns="">
+      <p:transition spd="slow">
+        <p:fade/>
+      </p:transition>
+    </mc:Fallback>
+  </mc:AlternateContent>
+</p:sld>
+</file>
+
+<file path=ppt/slides/slide2.xml><?xml version="1.0" encoding="utf-8"?>
+<p:sld xmlns:a="http://schemas.openxmlformats.org/drawingml/2006/main" xmlns:r="http://schemas.openxmlformats.org/officeDocument/2006/relationships" xmlns:p="http://schemas.openxmlformats.org/presentationml/2006/main">
+  <p:cSld>
+    <p:spTree>
+      <p:nvGrpSpPr>
+        <p:cNvPr id="1" name="">
+          <a:extLst>
+            <a:ext uri="{FF2B5EF4-FFF2-40B4-BE49-F238E27FC236}">
+              <a16:creationId xmlns:a16="http://schemas.microsoft.com/office/drawing/2014/main" id="{FC6D7DD9-9B8F-C829-7829-70AED1CDC6D0}"/>
+            </a:ext>
+          </a:extLst>
+        </p:cNvPr>
+        <p:cNvGrpSpPr/>
+        <p:nvPr/>
+      </p:nvGrpSpPr>
+      <p:grpSpPr>
+        <a:xfrm>
+          <a:off x="0" y="0"/>
+          <a:ext cx="0" cy="0"/>
+          <a:chOff x="0" y="0"/>
+          <a:chExt cx="0" cy="0"/>
+        </a:xfrm>
+      </p:grpSpPr>
+      <p:sp>
+        <p:nvSpPr>
+          <p:cNvPr id="2" name="Title 1">
+            <a:extLst>
+              <a:ext uri="{FF2B5EF4-FFF2-40B4-BE49-F238E27FC236}">
+                <a16:creationId xmlns:a16="http://schemas.microsoft.com/office/drawing/2014/main" id="{3C02CD33-29AB-07EA-9FEB-536F2469B1DB}"/>
+              </a:ext>
+            </a:extLst>
+          </p:cNvPr>
+          <p:cNvSpPr>
+            <a:spLocks noGrp="1"/>
+          </p:cNvSpPr>
+          <p:nvPr>
+            <p:ph type="ctrTitle"/>
+          </p:nvPr>
+        </p:nvSpPr>
+        <p:spPr/>
+        <p:txBody>
+          <a:bodyPr/>
+          <a:lstStyle/>
+          <a:p>
+            <a:endParaRPr lang="en-GB"/>
+          </a:p>
+        </p:txBody>
+      </p:sp>
+      <p:sp>
+        <p:nvSpPr>
+          <p:cNvPr id="3" name="Subtitle 2">
+            <a:extLst>
+              <a:ext uri="{FF2B5EF4-FFF2-40B4-BE49-F238E27FC236}">
+                <a16:creationId xmlns:a16="http://schemas.microsoft.com/office/drawing/2014/main" id="{2EA4987A-CB53-56A6-9828-311B92C8AB51}"/>
+              </a:ext>
+            </a:extLst>
+          </p:cNvPr>
+          <p:cNvSpPr>
+            <a:spLocks noGrp="1"/>
+          </p:cNvSpPr>
+          <p:nvPr>
+            <p:ph type="subTitle" idx="1"/>
+          </p:nvPr>
+        </p:nvSpPr>
+        <p:spPr/>
+        <p:txBody>
+          <a:bodyPr/>
+          <a:lstStyle/>
+          <a:p>
+            <a:endParaRPr lang="en-GB"/>
+          </a:p>
+        </p:txBody>
+      </p:sp>
+      <p:pic>
+        <p:nvPicPr>
+          <p:cNvPr id="7" name="Picture 6" descr="A card game with cards and chips">
+            <a:extLst>
+              <a:ext uri="{FF2B5EF4-FFF2-40B4-BE49-F238E27FC236}">
+                <a16:creationId xmlns:a16="http://schemas.microsoft.com/office/drawing/2014/main" id="{99F4EFE6-77B1-0B50-2566-D3F0A21409A8}"/>
+              </a:ext>
+            </a:extLst>
+          </p:cNvPr>
+          <p:cNvPicPr>
+            <a:picLocks noChangeAspect="1"/>
+          </p:cNvPicPr>
+          <p:nvPr/>
+        </p:nvPicPr>
+        <p:blipFill>
+          <a:blip r:embed="rId2">
+            <a:extLst>
+              <a:ext uri="{28A0092B-C50C-407E-A947-70E740481C1C}">
+                <a14:useLocalDpi xmlns:a14="http://schemas.microsoft.com/office/drawing/2010/main" val="0"/>
+              </a:ext>
+            </a:extLst>
+          </a:blip>
+          <a:stretch>
+            <a:fillRect/>
+          </a:stretch>
+        </p:blipFill>
+        <p:spPr>
+          <a:xfrm>
+            <a:off x="0" y="0"/>
+            <a:ext cx="12192000" cy="6858000"/>
+          </a:xfrm>
+          <a:prstGeom prst="rect">
+            <a:avLst/>
+          </a:prstGeom>
+        </p:spPr>
+      </p:pic>
+      <p:sp>
+        <p:nvSpPr>
+          <p:cNvPr id="4" name="Rectangle 3">
+            <a:extLst>
+              <a:ext uri="{FF2B5EF4-FFF2-40B4-BE49-F238E27FC236}">
+                <a16:creationId xmlns:a16="http://schemas.microsoft.com/office/drawing/2014/main" id="{FCE776DD-FAA8-F1AD-0E54-B8172077728A}"/>
+              </a:ext>
+            </a:extLst>
+          </p:cNvPr>
+          <p:cNvSpPr/>
+          <p:nvPr/>
+        </p:nvSpPr>
+        <p:spPr>
+          <a:xfrm>
+            <a:off x="0" y="0"/>
+            <a:ext cx="12192000" cy="6858000"/>
+          </a:xfrm>
+          <a:prstGeom prst="rect">
+            <a:avLst/>
+          </a:prstGeom>
+          <a:solidFill>
+            <a:srgbClr val="000000">
+              <a:alpha val="60000"/>
+            </a:srgbClr>
+          </a:solidFill>
+        </p:spPr>
+        <p:style>
+          <a:lnRef idx="2">
+            <a:schemeClr val="dk1">
+              <a:shade val="15000"/>
+            </a:schemeClr>
+          </a:lnRef>
+          <a:fillRef idx="1">
+            <a:schemeClr val="dk1"/>
+          </a:fillRef>
+          <a:effectRef idx="0">
+            <a:schemeClr val="dk1"/>
+          </a:effectRef>
+          <a:fontRef idx="minor">
+            <a:schemeClr val="lt1"/>
+          </a:fontRef>
+        </p:style>
+        <p:txBody>
+          <a:bodyPr rtlCol="0" anchor="ctr"/>
+          <a:lstStyle/>
+          <a:p>
+            <a:pPr algn="ctr"/>
+            <a:endParaRPr lang="en-GB" dirty="0"/>
+          </a:p>
+        </p:txBody>
+      </p:sp>
+      <p:sp>
+        <p:nvSpPr>
+          <p:cNvPr id="5" name="TextBox 4">
+            <a:extLst>
+              <a:ext uri="{FF2B5EF4-FFF2-40B4-BE49-F238E27FC236}">
+                <a16:creationId xmlns:a16="http://schemas.microsoft.com/office/drawing/2014/main" id="{E48D4775-2FFE-52A9-3EDA-8C6579109E5A}"/>
+              </a:ext>
+            </a:extLst>
+          </p:cNvPr>
+          <p:cNvSpPr txBox="1"/>
+          <p:nvPr/>
+        </p:nvSpPr>
+        <p:spPr>
+          <a:xfrm>
+            <a:off x="1327150" y="691137"/>
+            <a:ext cx="3771900" cy="1015663"/>
+          </a:xfrm>
+          <a:prstGeom prst="rect">
+            <a:avLst/>
+          </a:prstGeom>
+          <a:noFill/>
+        </p:spPr>
+        <p:txBody>
+          <a:bodyPr wrap="square" rtlCol="0">
+            <a:spAutoFit/>
+          </a:bodyPr>
+          <a:lstStyle/>
+          <a:p>
+            <a:r>
+              <a:rPr lang="en-US" sz="6000" dirty="0" err="1"/>
+              <a:t>Pylatro</a:t>
+            </a:r>
+            <a:endParaRPr lang="en-GB" sz="6000" dirty="0"/>
+          </a:p>
+        </p:txBody>
+      </p:sp>
+      <p:sp>
+        <p:nvSpPr>
+          <p:cNvPr id="6" name="TextBox 5">
+            <a:extLst>
+              <a:ext uri="{FF2B5EF4-FFF2-40B4-BE49-F238E27FC236}">
+                <a16:creationId xmlns:a16="http://schemas.microsoft.com/office/drawing/2014/main" id="{BD0191D3-44FC-AEE3-948A-9DF5E4826998}"/>
+              </a:ext>
+            </a:extLst>
+          </p:cNvPr>
+          <p:cNvSpPr txBox="1"/>
+          <p:nvPr/>
+        </p:nvSpPr>
+        <p:spPr>
+          <a:xfrm>
+            <a:off x="1327150" y="1731091"/>
+            <a:ext cx="4400549" cy="923330"/>
+          </a:xfrm>
+          <a:prstGeom prst="rect">
+            <a:avLst/>
+          </a:prstGeom>
+          <a:noFill/>
+        </p:spPr>
+        <p:txBody>
+          <a:bodyPr wrap="square" rtlCol="0">
+            <a:spAutoFit/>
+          </a:bodyPr>
+          <a:lstStyle/>
+          <a:p>
+            <a:r>
+              <a:rPr lang="en-US" dirty="0"/>
+              <a:t>Una </a:t>
+            </a:r>
+            <a:r>
+              <a:rPr lang="en-US" dirty="0" err="1"/>
+              <a:t>recreación</a:t>
+            </a:r>
+            <a:r>
+              <a:rPr lang="en-US" dirty="0"/>
+              <a:t> de </a:t>
+            </a:r>
+            <a:r>
+              <a:rPr lang="en-US" dirty="0" err="1"/>
+              <a:t>Balatro</a:t>
+            </a:r>
+            <a:r>
+              <a:rPr lang="en-US" dirty="0"/>
+              <a:t> </a:t>
+            </a:r>
+            <a:r>
+              <a:rPr lang="en-US" dirty="0" err="1"/>
+              <a:t>usando</a:t>
+            </a:r>
+            <a:r>
+              <a:rPr lang="en-US" dirty="0"/>
+              <a:t> Python y </a:t>
+            </a:r>
+            <a:r>
+              <a:rPr lang="en-US" dirty="0" err="1"/>
+              <a:t>Pygame</a:t>
+            </a:r>
+            <a:endParaRPr lang="en-GB" dirty="0"/>
+          </a:p>
+          <a:p>
+            <a:endParaRPr lang="en-GB" dirty="0"/>
+          </a:p>
+        </p:txBody>
+      </p:sp>
+    </p:spTree>
+    <p:extLst>
+      <p:ext uri="{BB962C8B-B14F-4D97-AF65-F5344CB8AC3E}">
+        <p14:creationId xmlns:p14="http://schemas.microsoft.com/office/powerpoint/2010/main" val="3923566217"/>
+      </p:ext>
+    </p:extLst>
   </p:cSld>
   <p:clrMapOvr>
     <a:masterClrMapping/>
@@ -9279,348 +8329,6 @@
 </file>
 
 <file path=ppt/slides/slide6.xml><?xml version="1.0" encoding="utf-8"?>
-<p:sld xmlns:a="http://schemas.openxmlformats.org/drawingml/2006/main" xmlns:r="http://schemas.openxmlformats.org/officeDocument/2006/relationships" xmlns:p="http://schemas.openxmlformats.org/presentationml/2006/main" show="0">
-  <p:cSld>
-    <p:spTree>
-      <p:nvGrpSpPr>
-        <p:cNvPr id="1" name="">
-          <a:extLst>
-            <a:ext uri="{FF2B5EF4-FFF2-40B4-BE49-F238E27FC236}">
-              <a16:creationId xmlns:a16="http://schemas.microsoft.com/office/drawing/2014/main" id="{4D79655A-63C5-4BAC-718A-26A1032D7712}"/>
-            </a:ext>
-          </a:extLst>
-        </p:cNvPr>
-        <p:cNvGrpSpPr/>
-        <p:nvPr/>
-      </p:nvGrpSpPr>
-      <p:grpSpPr>
-        <a:xfrm>
-          <a:off x="0" y="0"/>
-          <a:ext cx="0" cy="0"/>
-          <a:chOff x="0" y="0"/>
-          <a:chExt cx="0" cy="0"/>
-        </a:xfrm>
-      </p:grpSpPr>
-      <p:sp>
-        <p:nvSpPr>
-          <p:cNvPr id="2" name="Title 1">
-            <a:extLst>
-              <a:ext uri="{FF2B5EF4-FFF2-40B4-BE49-F238E27FC236}">
-                <a16:creationId xmlns:a16="http://schemas.microsoft.com/office/drawing/2014/main" id="{25852616-EA16-5BD4-9733-4E5E1E6CEBD8}"/>
-              </a:ext>
-            </a:extLst>
-          </p:cNvPr>
-          <p:cNvSpPr>
-            <a:spLocks noGrp="1"/>
-          </p:cNvSpPr>
-          <p:nvPr>
-            <p:ph type="title"/>
-          </p:nvPr>
-        </p:nvSpPr>
-        <p:spPr/>
-        <p:txBody>
-          <a:bodyPr/>
-          <a:lstStyle/>
-          <a:p>
-            <a:r>
-              <a:t>Modelo de Cartas</a:t>
-            </a:r>
-          </a:p>
-        </p:txBody>
-      </p:sp>
-      <p:sp>
-        <p:nvSpPr>
-          <p:cNvPr id="3" name="Content Placeholder 2">
-            <a:extLst>
-              <a:ext uri="{FF2B5EF4-FFF2-40B4-BE49-F238E27FC236}">
-                <a16:creationId xmlns:a16="http://schemas.microsoft.com/office/drawing/2014/main" id="{F9987CAA-E053-F823-ABA4-580CF5E54B4B}"/>
-              </a:ext>
-            </a:extLst>
-          </p:cNvPr>
-          <p:cNvSpPr>
-            <a:spLocks noGrp="1"/>
-          </p:cNvSpPr>
-          <p:nvPr>
-            <p:ph idx="1"/>
-          </p:nvPr>
-        </p:nvSpPr>
-        <p:spPr/>
-        <p:txBody>
-          <a:bodyPr/>
-          <a:lstStyle/>
-          <a:p>
-            <a:pPr marL="0" indent="0">
-              <a:buNone/>
-            </a:pPr>
-            <a:r>
-              <a:rPr dirty="0"/>
-              <a:t>• </a:t>
-            </a:r>
-            <a:r>
-              <a:rPr lang="en-GB" dirty="0"/>
-              <a:t>Cartas </a:t>
-            </a:r>
-            <a:r>
-              <a:rPr lang="en-GB" dirty="0" err="1"/>
-              <a:t>representadas</a:t>
-            </a:r>
-            <a:r>
-              <a:rPr lang="en-GB" dirty="0"/>
-              <a:t> </a:t>
-            </a:r>
-            <a:r>
-              <a:rPr lang="en-GB" dirty="0" err="1"/>
-              <a:t>como</a:t>
-            </a:r>
-            <a:r>
-              <a:rPr lang="en-GB" dirty="0"/>
-              <a:t> </a:t>
-            </a:r>
-            <a:r>
-              <a:rPr lang="en-GB" dirty="0" err="1"/>
-              <a:t>tuplas</a:t>
-            </a:r>
-            <a:r>
-              <a:rPr lang="en-GB" dirty="0"/>
-              <a:t> (</a:t>
-            </a:r>
-            <a:r>
-              <a:rPr lang="en-GB" dirty="0" err="1"/>
-              <a:t>valor</a:t>
-            </a:r>
-            <a:r>
-              <a:rPr lang="en-GB" dirty="0"/>
-              <a:t>, </a:t>
-            </a:r>
-            <a:r>
-              <a:rPr lang="en-GB" dirty="0" err="1"/>
-              <a:t>palo</a:t>
-            </a:r>
-            <a:r>
-              <a:rPr lang="en-GB" dirty="0"/>
-              <a:t>)</a:t>
-            </a:r>
-            <a:r>
-              <a:rPr dirty="0"/>
-              <a:t> </a:t>
-            </a:r>
-            <a:endParaRPr lang="en-US" dirty="0"/>
-          </a:p>
-          <a:p>
-            <a:pPr marL="0" indent="0">
-              <a:buNone/>
-            </a:pPr>
-            <a:r>
-              <a:rPr dirty="0"/>
-              <a:t>• Mazo </a:t>
-            </a:r>
-            <a:r>
-              <a:rPr dirty="0" err="1"/>
-              <a:t>generado</a:t>
-            </a:r>
-            <a:r>
-              <a:rPr dirty="0"/>
-              <a:t> </a:t>
-            </a:r>
-            <a:r>
-              <a:rPr dirty="0" err="1"/>
-              <a:t>dinámicamente</a:t>
-            </a:r>
-            <a:endParaRPr dirty="0"/>
-          </a:p>
-        </p:txBody>
-      </p:sp>
-      <p:pic>
-        <p:nvPicPr>
-          <p:cNvPr id="6" name="Picture 5" descr="A screen shot of a computer code&#10;&#10;AI-generated content may be incorrect.">
-            <a:extLst>
-              <a:ext uri="{FF2B5EF4-FFF2-40B4-BE49-F238E27FC236}">
-                <a16:creationId xmlns:a16="http://schemas.microsoft.com/office/drawing/2014/main" id="{2F862D14-3570-FAFC-C722-6DA34BD234E3}"/>
-              </a:ext>
-            </a:extLst>
-          </p:cNvPr>
-          <p:cNvPicPr>
-            <a:picLocks noChangeAspect="1"/>
-          </p:cNvPicPr>
-          <p:nvPr/>
-        </p:nvPicPr>
-        <p:blipFill>
-          <a:blip r:embed="rId2">
-            <a:extLst>
-              <a:ext uri="{28A0092B-C50C-407E-A947-70E740481C1C}">
-                <a14:useLocalDpi xmlns:a14="http://schemas.microsoft.com/office/drawing/2010/main" val="0"/>
-              </a:ext>
-            </a:extLst>
-          </a:blip>
-          <a:stretch>
-            <a:fillRect/>
-          </a:stretch>
-        </p:blipFill>
-        <p:spPr>
-          <a:xfrm>
-            <a:off x="0" y="2171832"/>
-            <a:ext cx="12192000" cy="5054336"/>
-          </a:xfrm>
-          <a:prstGeom prst="rect">
-            <a:avLst/>
-          </a:prstGeom>
-        </p:spPr>
-      </p:pic>
-    </p:spTree>
-    <p:extLst>
-      <p:ext uri="{BB962C8B-B14F-4D97-AF65-F5344CB8AC3E}">
-        <p14:creationId xmlns:p14="http://schemas.microsoft.com/office/powerpoint/2010/main" val="3204387305"/>
-      </p:ext>
-    </p:extLst>
-  </p:cSld>
-  <p:clrMapOvr>
-    <a:masterClrMapping/>
-  </p:clrMapOvr>
-  <mc:AlternateContent xmlns:mc="http://schemas.openxmlformats.org/markup-compatibility/2006" xmlns:p159="http://schemas.microsoft.com/office/powerpoint/2015/09/main">
-    <mc:Choice Requires="p159">
-      <p:transition xmlns:p14="http://schemas.microsoft.com/office/powerpoint/2010/main" spd="slow" p14:dur="2000">
-        <p159:morph option="byObject"/>
-      </p:transition>
-    </mc:Choice>
-    <mc:Fallback xmlns="">
-      <p:transition spd="slow">
-        <p:fade/>
-      </p:transition>
-    </mc:Fallback>
-  </mc:AlternateContent>
-</p:sld>
-</file>
-
-<file path=ppt/slides/slide7.xml><?xml version="1.0" encoding="utf-8"?>
-<p:sld xmlns:a="http://schemas.openxmlformats.org/drawingml/2006/main" xmlns:r="http://schemas.openxmlformats.org/officeDocument/2006/relationships" xmlns:p="http://schemas.openxmlformats.org/presentationml/2006/main" show="0">
-  <p:cSld>
-    <p:spTree>
-      <p:nvGrpSpPr>
-        <p:cNvPr id="1" name=""/>
-        <p:cNvGrpSpPr/>
-        <p:nvPr/>
-      </p:nvGrpSpPr>
-      <p:grpSpPr>
-        <a:xfrm>
-          <a:off x="0" y="0"/>
-          <a:ext cx="0" cy="0"/>
-          <a:chOff x="0" y="0"/>
-          <a:chExt cx="0" cy="0"/>
-        </a:xfrm>
-      </p:grpSpPr>
-      <p:sp>
-        <p:nvSpPr>
-          <p:cNvPr id="2" name="Title 1"/>
-          <p:cNvSpPr>
-            <a:spLocks noGrp="1"/>
-          </p:cNvSpPr>
-          <p:nvPr>
-            <p:ph type="title"/>
-          </p:nvPr>
-        </p:nvSpPr>
-        <p:spPr/>
-        <p:txBody>
-          <a:bodyPr/>
-          <a:lstStyle/>
-          <a:p>
-            <a:r>
-              <a:t>Reparto y Descarte</a:t>
-            </a:r>
-          </a:p>
-        </p:txBody>
-      </p:sp>
-      <p:sp>
-        <p:nvSpPr>
-          <p:cNvPr id="3" name="Content Placeholder 2"/>
-          <p:cNvSpPr>
-            <a:spLocks noGrp="1"/>
-          </p:cNvSpPr>
-          <p:nvPr>
-            <p:ph idx="1"/>
-          </p:nvPr>
-        </p:nvSpPr>
-        <p:spPr/>
-        <p:txBody>
-          <a:bodyPr/>
-          <a:lstStyle/>
-          <a:p>
-            <a:pPr marL="0" indent="0">
-              <a:buNone/>
-            </a:pPr>
-            <a:r>
-              <a:rPr dirty="0" err="1"/>
-              <a:t>robar_mano</a:t>
-            </a:r>
-            <a:r>
-              <a:rPr dirty="0"/>
-              <a:t>() genera la mano </a:t>
-            </a:r>
-            <a:r>
-              <a:rPr dirty="0" err="1"/>
-              <a:t>inicial</a:t>
-            </a:r>
-            <a:endParaRPr lang="en-GB" dirty="0"/>
-          </a:p>
-          <a:p>
-            <a:pPr marL="0" indent="0">
-              <a:buNone/>
-            </a:pPr>
-            <a:r>
-              <a:rPr lang="en-GB" dirty="0" err="1"/>
-              <a:t>recargarMazo</a:t>
-            </a:r>
-            <a:r>
-              <a:rPr lang="en-GB" dirty="0"/>
-              <a:t>() </a:t>
-            </a:r>
-            <a:r>
-              <a:rPr lang="en-GB" dirty="0" err="1"/>
-              <a:t>asegura</a:t>
-            </a:r>
-            <a:r>
-              <a:rPr lang="en-GB" dirty="0"/>
-              <a:t> </a:t>
-            </a:r>
-            <a:r>
-              <a:rPr lang="en-GB" dirty="0" err="1"/>
-              <a:t>infinito</a:t>
-            </a:r>
-            <a:r>
-              <a:rPr lang="en-GB" dirty="0"/>
-              <a:t> </a:t>
-            </a:r>
-            <a:r>
-              <a:rPr lang="en-GB" dirty="0" err="1"/>
-              <a:t>flujo</a:t>
-            </a:r>
-            <a:r>
-              <a:rPr lang="en-GB" dirty="0"/>
-              <a:t> de cartas</a:t>
-            </a:r>
-          </a:p>
-        </p:txBody>
-      </p:sp>
-    </p:spTree>
-  </p:cSld>
-  <p:clrMapOvr>
-    <a:masterClrMapping/>
-  </p:clrMapOvr>
-  <mc:AlternateContent xmlns:mc="http://schemas.openxmlformats.org/markup-compatibility/2006" xmlns:p159="http://schemas.microsoft.com/office/powerpoint/2015/09/main">
-    <mc:Choice Requires="p159">
-      <p:transition xmlns:p14="http://schemas.microsoft.com/office/powerpoint/2010/main" spd="slow" p14:dur="2000">
-        <p159:morph option="byObject"/>
-      </p:transition>
-    </mc:Choice>
-    <mc:Fallback xmlns="">
-      <p:transition spd="slow">
-        <p:fade/>
-      </p:transition>
-    </mc:Fallback>
-  </mc:AlternateContent>
-</p:sld>
-</file>
-
-<file path=ppt/slides/slide8.xml><?xml version="1.0" encoding="utf-8"?>
 <p:sld xmlns:a="http://schemas.openxmlformats.org/drawingml/2006/main" xmlns:r="http://schemas.openxmlformats.org/officeDocument/2006/relationships" xmlns:p="http://schemas.openxmlformats.org/presentationml/2006/main">
   <p:cSld>
     <p:spTree>
@@ -9780,8 +8488,226 @@
 </p:sld>
 </file>
 
+<file path=ppt/slides/slide7.xml><?xml version="1.0" encoding="utf-8"?>
+<p:sld xmlns:a="http://schemas.openxmlformats.org/drawingml/2006/main" xmlns:r="http://schemas.openxmlformats.org/officeDocument/2006/relationships" xmlns:p="http://schemas.openxmlformats.org/presentationml/2006/main">
+  <p:cSld>
+    <p:spTree>
+      <p:nvGrpSpPr>
+        <p:cNvPr id="1" name="">
+          <a:extLst>
+            <a:ext uri="{FF2B5EF4-FFF2-40B4-BE49-F238E27FC236}">
+              <a16:creationId xmlns:a16="http://schemas.microsoft.com/office/drawing/2014/main" id="{F0D6F61A-AB6B-EC94-3D16-869AE2DE3B24}"/>
+            </a:ext>
+          </a:extLst>
+        </p:cNvPr>
+        <p:cNvGrpSpPr/>
+        <p:nvPr/>
+      </p:nvGrpSpPr>
+      <p:grpSpPr>
+        <a:xfrm>
+          <a:off x="0" y="0"/>
+          <a:ext cx="0" cy="0"/>
+          <a:chOff x="0" y="0"/>
+          <a:chExt cx="0" cy="0"/>
+        </a:xfrm>
+      </p:grpSpPr>
+      <p:pic>
+        <p:nvPicPr>
+          <p:cNvPr id="3" name="Picture 2" descr="A card game with cards and chips&#10;&#10;AI-generated content may be incorrect.">
+            <a:extLst>
+              <a:ext uri="{FF2B5EF4-FFF2-40B4-BE49-F238E27FC236}">
+                <a16:creationId xmlns:a16="http://schemas.microsoft.com/office/drawing/2014/main" id="{7E578D2A-8D34-24A0-01D8-0FEB69D0B0E5}"/>
+              </a:ext>
+            </a:extLst>
+          </p:cNvPr>
+          <p:cNvPicPr>
+            <a:picLocks noChangeAspect="1"/>
+          </p:cNvPicPr>
+          <p:nvPr/>
+        </p:nvPicPr>
+        <p:blipFill>
+          <a:blip r:embed="rId2">
+            <a:extLst>
+              <a:ext uri="{28A0092B-C50C-407E-A947-70E740481C1C}">
+                <a14:useLocalDpi xmlns:a14="http://schemas.microsoft.com/office/drawing/2010/main" val="0"/>
+              </a:ext>
+            </a:extLst>
+          </a:blip>
+          <a:stretch>
+            <a:fillRect/>
+          </a:stretch>
+        </p:blipFill>
+        <p:spPr>
+          <a:xfrm>
+            <a:off x="-2641600" y="-2759075"/>
+            <a:ext cx="20421600" cy="11487150"/>
+          </a:xfrm>
+          <a:prstGeom prst="rect">
+            <a:avLst/>
+          </a:prstGeom>
+        </p:spPr>
+      </p:pic>
+    </p:spTree>
+    <p:extLst>
+      <p:ext uri="{BB962C8B-B14F-4D97-AF65-F5344CB8AC3E}">
+        <p14:creationId xmlns:p14="http://schemas.microsoft.com/office/powerpoint/2010/main" val="3379356275"/>
+      </p:ext>
+    </p:extLst>
+  </p:cSld>
+  <p:clrMapOvr>
+    <a:masterClrMapping/>
+  </p:clrMapOvr>
+  <mc:AlternateContent xmlns:mc="http://schemas.openxmlformats.org/markup-compatibility/2006" xmlns:p159="http://schemas.microsoft.com/office/powerpoint/2015/09/main">
+    <mc:Choice Requires="p159">
+      <p:transition xmlns:p14="http://schemas.microsoft.com/office/powerpoint/2010/main" spd="slow" p14:dur="2000">
+        <p159:morph option="byObject"/>
+      </p:transition>
+    </mc:Choice>
+    <mc:Fallback xmlns="">
+      <p:transition spd="slow">
+        <p:fade/>
+      </p:transition>
+    </mc:Fallback>
+  </mc:AlternateContent>
+</p:sld>
+</file>
+
+<file path=ppt/slides/slide8.xml><?xml version="1.0" encoding="utf-8"?>
+<p:sld xmlns:a="http://schemas.openxmlformats.org/drawingml/2006/main" xmlns:r="http://schemas.openxmlformats.org/officeDocument/2006/relationships" xmlns:p="http://schemas.openxmlformats.org/presentationml/2006/main">
+  <p:cSld>
+    <p:spTree>
+      <p:nvGrpSpPr>
+        <p:cNvPr id="1" name="">
+          <a:extLst>
+            <a:ext uri="{FF2B5EF4-FFF2-40B4-BE49-F238E27FC236}">
+              <a16:creationId xmlns:a16="http://schemas.microsoft.com/office/drawing/2014/main" id="{29856A8C-A9BF-B7EF-16F3-05FCA278029C}"/>
+            </a:ext>
+          </a:extLst>
+        </p:cNvPr>
+        <p:cNvGrpSpPr/>
+        <p:nvPr/>
+      </p:nvGrpSpPr>
+      <p:grpSpPr>
+        <a:xfrm>
+          <a:off x="0" y="0"/>
+          <a:ext cx="0" cy="0"/>
+          <a:chOff x="0" y="0"/>
+          <a:chExt cx="0" cy="0"/>
+        </a:xfrm>
+      </p:grpSpPr>
+      <p:sp>
+        <p:nvSpPr>
+          <p:cNvPr id="2" name="Title 1">
+            <a:extLst>
+              <a:ext uri="{FF2B5EF4-FFF2-40B4-BE49-F238E27FC236}">
+                <a16:creationId xmlns:a16="http://schemas.microsoft.com/office/drawing/2014/main" id="{FB1813B6-0F01-345E-20A7-9CC1AF9FC65A}"/>
+              </a:ext>
+            </a:extLst>
+          </p:cNvPr>
+          <p:cNvSpPr>
+            <a:spLocks noGrp="1"/>
+          </p:cNvSpPr>
+          <p:nvPr>
+            <p:ph type="ctrTitle"/>
+          </p:nvPr>
+        </p:nvSpPr>
+        <p:spPr/>
+        <p:txBody>
+          <a:bodyPr/>
+          <a:lstStyle/>
+          <a:p>
+            <a:endParaRPr lang="en-GB"/>
+          </a:p>
+        </p:txBody>
+      </p:sp>
+      <p:sp>
+        <p:nvSpPr>
+          <p:cNvPr id="3" name="Subtitle 2">
+            <a:extLst>
+              <a:ext uri="{FF2B5EF4-FFF2-40B4-BE49-F238E27FC236}">
+                <a16:creationId xmlns:a16="http://schemas.microsoft.com/office/drawing/2014/main" id="{FB10F161-E8FF-704C-0C9F-0F2DA68E1E42}"/>
+              </a:ext>
+            </a:extLst>
+          </p:cNvPr>
+          <p:cNvSpPr>
+            <a:spLocks noGrp="1"/>
+          </p:cNvSpPr>
+          <p:nvPr>
+            <p:ph type="subTitle" idx="1"/>
+          </p:nvPr>
+        </p:nvSpPr>
+        <p:spPr/>
+        <p:txBody>
+          <a:bodyPr/>
+          <a:lstStyle/>
+          <a:p>
+            <a:endParaRPr lang="en-GB"/>
+          </a:p>
+        </p:txBody>
+      </p:sp>
+      <p:pic>
+        <p:nvPicPr>
+          <p:cNvPr id="7" name="Picture 6" descr="A card game with cards and chips">
+            <a:extLst>
+              <a:ext uri="{FF2B5EF4-FFF2-40B4-BE49-F238E27FC236}">
+                <a16:creationId xmlns:a16="http://schemas.microsoft.com/office/drawing/2014/main" id="{D129C7D8-EBA0-DC5A-35F4-73E53D3064C1}"/>
+              </a:ext>
+            </a:extLst>
+          </p:cNvPr>
+          <p:cNvPicPr>
+            <a:picLocks noChangeAspect="1"/>
+          </p:cNvPicPr>
+          <p:nvPr/>
+        </p:nvPicPr>
+        <p:blipFill>
+          <a:blip r:embed="rId2">
+            <a:extLst>
+              <a:ext uri="{28A0092B-C50C-407E-A947-70E740481C1C}">
+                <a14:useLocalDpi xmlns:a14="http://schemas.microsoft.com/office/drawing/2010/main" val="0"/>
+              </a:ext>
+            </a:extLst>
+          </a:blip>
+          <a:stretch>
+            <a:fillRect/>
+          </a:stretch>
+        </p:blipFill>
+        <p:spPr>
+          <a:xfrm>
+            <a:off x="-8305800" y="0"/>
+            <a:ext cx="20497800" cy="11530013"/>
+          </a:xfrm>
+          <a:prstGeom prst="rect">
+            <a:avLst/>
+          </a:prstGeom>
+        </p:spPr>
+      </p:pic>
+    </p:spTree>
+    <p:extLst>
+      <p:ext uri="{BB962C8B-B14F-4D97-AF65-F5344CB8AC3E}">
+        <p14:creationId xmlns:p14="http://schemas.microsoft.com/office/powerpoint/2010/main" val="1528353219"/>
+      </p:ext>
+    </p:extLst>
+  </p:cSld>
+  <p:clrMapOvr>
+    <a:masterClrMapping/>
+  </p:clrMapOvr>
+  <mc:AlternateContent xmlns:mc="http://schemas.openxmlformats.org/markup-compatibility/2006" xmlns:p159="http://schemas.microsoft.com/office/powerpoint/2015/09/main">
+    <mc:Choice Requires="p159">
+      <p:transition xmlns:p14="http://schemas.microsoft.com/office/powerpoint/2010/main" spd="slow" p14:dur="2000">
+        <p159:morph option="byObject"/>
+      </p:transition>
+    </mc:Choice>
+    <mc:Fallback xmlns="">
+      <p:transition spd="slow">
+        <p:fade/>
+      </p:transition>
+    </mc:Fallback>
+  </mc:AlternateContent>
+</p:sld>
+</file>
+
 <file path=ppt/slides/slide9.xml><?xml version="1.0" encoding="utf-8"?>
-<p:sld xmlns:a="http://schemas.openxmlformats.org/drawingml/2006/main" xmlns:r="http://schemas.openxmlformats.org/officeDocument/2006/relationships" xmlns:p="http://schemas.openxmlformats.org/presentationml/2006/main" show="0">
+<p:sld xmlns:a="http://schemas.openxmlformats.org/drawingml/2006/main" xmlns:r="http://schemas.openxmlformats.org/officeDocument/2006/relationships" xmlns:p="http://schemas.openxmlformats.org/presentationml/2006/main">
   <p:cSld>
     <p:spTree>
       <p:nvGrpSpPr>
@@ -9797,12 +8723,128 @@
           <a:chExt cx="0" cy="0"/>
         </a:xfrm>
       </p:grpSpPr>
+      <p:sp>
+        <p:nvSpPr>
+          <p:cNvPr id="2" name="Title 1"/>
+          <p:cNvSpPr>
+            <a:spLocks noGrp="1"/>
+          </p:cNvSpPr>
+          <p:nvPr>
+            <p:ph type="title"/>
+          </p:nvPr>
+        </p:nvSpPr>
+        <p:spPr/>
+        <p:txBody>
+          <a:bodyPr/>
+          <a:lstStyle/>
+          <a:p>
+            <a:r>
+              <a:rPr dirty="0"/>
+              <a:t>Jokers </a:t>
+            </a:r>
+            <a:r>
+              <a:rPr lang="en-US" dirty="0"/>
+              <a:t>-</a:t>
+            </a:r>
+            <a:r>
+              <a:rPr dirty="0"/>
+              <a:t> </a:t>
+            </a:r>
+            <a:r>
+              <a:rPr dirty="0" err="1"/>
+              <a:t>Concepto</a:t>
+            </a:r>
+            <a:endParaRPr dirty="0"/>
+          </a:p>
+        </p:txBody>
+      </p:sp>
+      <p:sp>
+        <p:nvSpPr>
+          <p:cNvPr id="3" name="Content Placeholder 2"/>
+          <p:cNvSpPr>
+            <a:spLocks noGrp="1"/>
+          </p:cNvSpPr>
+          <p:nvPr>
+            <p:ph idx="1"/>
+          </p:nvPr>
+        </p:nvSpPr>
+        <p:spPr/>
+        <p:txBody>
+          <a:bodyPr/>
+          <a:lstStyle/>
+          <a:p>
+            <a:r>
+              <a:rPr dirty="0" err="1"/>
+              <a:t>Clases</a:t>
+            </a:r>
+            <a:r>
+              <a:rPr dirty="0"/>
+              <a:t> </a:t>
+            </a:r>
+            <a:r>
+              <a:rPr dirty="0" err="1"/>
+              <a:t>independientes</a:t>
+            </a:r>
+            <a:endParaRPr lang="en-US" dirty="0"/>
+          </a:p>
+          <a:p>
+            <a:r>
+              <a:rPr dirty="0" err="1"/>
+              <a:t>Modifican</a:t>
+            </a:r>
+            <a:r>
+              <a:rPr dirty="0"/>
+              <a:t> chips y </a:t>
+            </a:r>
+            <a:r>
+              <a:rPr dirty="0" err="1"/>
+              <a:t>multiplicadores</a:t>
+            </a:r>
+            <a:endParaRPr lang="en-US" dirty="0"/>
+          </a:p>
+          <a:p>
+            <a:r>
+              <a:rPr dirty="0"/>
+              <a:t>Cada uno </a:t>
+            </a:r>
+            <a:r>
+              <a:rPr dirty="0" err="1"/>
+              <a:t>tiene</a:t>
+            </a:r>
+            <a:r>
+              <a:rPr dirty="0"/>
+              <a:t> </a:t>
+            </a:r>
+            <a:r>
+              <a:rPr dirty="0" err="1"/>
+              <a:t>precio</a:t>
+            </a:r>
+            <a:r>
+              <a:rPr dirty="0"/>
+              <a:t>, </a:t>
+            </a:r>
+            <a:r>
+              <a:rPr dirty="0" err="1"/>
+              <a:t>habilidad</a:t>
+            </a:r>
+            <a:r>
+              <a:rPr dirty="0"/>
+              <a:t> y </a:t>
+            </a:r>
+            <a:r>
+              <a:rPr dirty="0" err="1"/>
+              <a:t>descripción</a:t>
+            </a:r>
+            <a:endParaRPr dirty="0"/>
+          </a:p>
+        </p:txBody>
+      </p:sp>
       <p:pic>
         <p:nvPicPr>
-          <p:cNvPr id="4" name="Picture 3" descr="A card game with cards and chips&#10;&#10;AI-generated content may be incorrect.">
+          <p:cNvPr id="4" name="Picture 3" descr="A card game with cards and chips">
             <a:extLst>
               <a:ext uri="{FF2B5EF4-FFF2-40B4-BE49-F238E27FC236}">
-                <a16:creationId xmlns:a16="http://schemas.microsoft.com/office/drawing/2014/main" id="{57E95EDC-6E03-B794-E7B4-628510520953}"/>
+                <a16:creationId xmlns:a16="http://schemas.microsoft.com/office/drawing/2014/main" id="{34A4DE6D-6362-D403-90BB-CCE6808E8E50}"/>
               </a:ext>
             </a:extLst>
           </p:cNvPr>
@@ -9826,107 +8868,26 @@
         </p:blipFill>
         <p:spPr>
           <a:xfrm>
-            <a:off x="-2641600" y="-2759075"/>
-            <a:ext cx="20421600" cy="11487150"/>
+            <a:off x="-8305800" y="0"/>
+            <a:ext cx="20497800" cy="11530013"/>
           </a:xfrm>
           <a:prstGeom prst="rect">
             <a:avLst/>
           </a:prstGeom>
         </p:spPr>
       </p:pic>
-      <p:sp>
-        <p:nvSpPr>
-          <p:cNvPr id="2" name="Title 1"/>
-          <p:cNvSpPr>
-            <a:spLocks noGrp="1"/>
-          </p:cNvSpPr>
-          <p:nvPr>
-            <p:ph type="title"/>
-          </p:nvPr>
-        </p:nvSpPr>
-        <p:spPr/>
-        <p:txBody>
-          <a:bodyPr/>
-          <a:lstStyle/>
-          <a:p>
-            <a:r>
-              <a:rPr dirty="0"/>
-              <a:t>Código </a:t>
-            </a:r>
-            <a:r>
-              <a:rPr lang="en-US" dirty="0"/>
-              <a:t>-</a:t>
-            </a:r>
-            <a:r>
-              <a:rPr dirty="0"/>
-              <a:t> </a:t>
-            </a:r>
-            <a:r>
-              <a:rPr dirty="0" err="1"/>
-              <a:t>Evaluación</a:t>
-            </a:r>
-            <a:endParaRPr dirty="0"/>
-          </a:p>
-        </p:txBody>
-      </p:sp>
-      <p:sp>
-        <p:nvSpPr>
-          <p:cNvPr id="3" name="Content Placeholder 2"/>
-          <p:cNvSpPr>
-            <a:spLocks noGrp="1"/>
-          </p:cNvSpPr>
-          <p:nvPr>
-            <p:ph idx="1"/>
-          </p:nvPr>
-        </p:nvSpPr>
-        <p:spPr/>
-        <p:txBody>
-          <a:bodyPr/>
-          <a:lstStyle/>
-          <a:p>
-            <a:pPr marL="0" indent="0">
-              <a:buNone/>
-            </a:pPr>
-            <a:r>
-              <a:rPr dirty="0" err="1"/>
-              <a:t>nombre</a:t>
-            </a:r>
-            <a:r>
-              <a:rPr dirty="0"/>
-              <a:t>, (chips, multi) = </a:t>
-            </a:r>
-            <a:r>
-              <a:rPr dirty="0" err="1"/>
-              <a:t>valoresDefault</a:t>
-            </a:r>
-            <a:r>
-              <a:rPr dirty="0"/>
-              <a:t>(mano)</a:t>
-            </a:r>
-          </a:p>
-          <a:p>
-            <a:pPr marL="0" indent="0">
-              <a:buNone/>
-            </a:pPr>
-            <a:r>
-              <a:rPr dirty="0"/>
-              <a:t># chips * multi base</a:t>
-            </a:r>
-          </a:p>
-        </p:txBody>
-      </p:sp>
     </p:spTree>
   </p:cSld>
   <p:clrMapOvr>
     <a:masterClrMapping/>
   </p:clrMapOvr>
-  <mc:AlternateContent xmlns:mc="http://schemas.openxmlformats.org/markup-compatibility/2006">
-    <mc:Choice xmlns:p159="http://schemas.microsoft.com/office/powerpoint/2015/09/main" Requires="p159">
+  <mc:AlternateContent xmlns:mc="http://schemas.openxmlformats.org/markup-compatibility/2006" xmlns:p159="http://schemas.microsoft.com/office/powerpoint/2015/09/main">
+    <mc:Choice Requires="p159">
       <p:transition xmlns:p14="http://schemas.microsoft.com/office/powerpoint/2010/main" spd="slow" p14:dur="2000">
         <p159:morph option="byObject"/>
       </p:transition>
     </mc:Choice>
-    <mc:Fallback>
+    <mc:Fallback xmlns="">
       <p:transition spd="slow">
         <p:fade/>
       </p:transition>
